--- a/Wohnsituation_Austria.pptx
+++ b/Wohnsituation_Austria.pptx
@@ -5,10 +5,10 @@
     <p:sldMasterId id="2147483648" r:id="rId1"/>
   </p:sldMasterIdLst>
   <p:notesMasterIdLst>
-    <p:notesMasterId r:id="rId20"/>
+    <p:notesMasterId r:id="rId22"/>
   </p:notesMasterIdLst>
   <p:handoutMasterIdLst>
-    <p:handoutMasterId r:id="rId21"/>
+    <p:handoutMasterId r:id="rId23"/>
   </p:handoutMasterIdLst>
   <p:sldIdLst>
     <p:sldId id="256" r:id="rId2"/>
@@ -26,9 +26,11 @@
     <p:sldId id="269" r:id="rId14"/>
     <p:sldId id="272" r:id="rId15"/>
     <p:sldId id="270" r:id="rId16"/>
-    <p:sldId id="273" r:id="rId17"/>
-    <p:sldId id="274" r:id="rId18"/>
-    <p:sldId id="275" r:id="rId19"/>
+    <p:sldId id="277" r:id="rId17"/>
+    <p:sldId id="273" r:id="rId18"/>
+    <p:sldId id="276" r:id="rId19"/>
+    <p:sldId id="274" r:id="rId20"/>
+    <p:sldId id="275" r:id="rId21"/>
   </p:sldIdLst>
   <p:sldSz cx="12192000" cy="6858000"/>
   <p:notesSz cx="6858000" cy="9144000"/>
@@ -129,10 +131,10 @@
   </p:defaultTextStyle>
   <p:extLst>
     <p:ext uri="{EFAFB233-063F-42B5-8137-9DF3F51BA10A}">
-      <p15:sldGuideLst xmlns:p15="http://schemas.microsoft.com/office/powerpoint/2012/main"/>
+      <p15:sldGuideLst xmlns:p15="http://schemas.microsoft.com/office/powerpoint/2012/main" xmlns=""/>
     </p:ext>
     <p:ext uri="{2D200454-40CA-4A62-9FC3-DE9A4176ACB9}">
-      <p15:notesGuideLst xmlns:p15="http://schemas.microsoft.com/office/powerpoint/2012/main"/>
+      <p15:notesGuideLst xmlns:p15="http://schemas.microsoft.com/office/powerpoint/2012/main" xmlns=""/>
     </p:ext>
   </p:extLst>
 </p:presentation>
@@ -220,7 +222,7 @@
           <a:p>
             <a:fld id="{177B9070-9281-4B15-842B-9B135EE24603}" type="datetimeFigureOut">
               <a:rPr lang="de-AT" smtClean="0"/>
-              <a:t>22.01.2022</a:t>
+              <a:t>24.01.2022</a:t>
             </a:fld>
             <a:endParaRPr lang="de-AT"/>
           </a:p>
@@ -286,7 +288,7 @@
           <a:p>
             <a:fld id="{CB7FC8AE-2100-403C-A265-5E8967C6F3BC}" type="slidenum">
               <a:rPr lang="de-AT" smtClean="0"/>
-              <a:t>‹#›</a:t>
+              <a:t>‹Nr.›</a:t>
             </a:fld>
             <a:endParaRPr lang="de-AT"/>
           </a:p>
@@ -386,7 +388,7 @@
           <a:p>
             <a:fld id="{E327D1A6-DD3C-4091-BBBF-B0376104DACB}" type="datetimeFigureOut">
               <a:rPr lang="de-AT" smtClean="0"/>
-              <a:t>23.01.2022</a:t>
+              <a:t>24.01.2022</a:t>
             </a:fld>
             <a:endParaRPr lang="de-AT"/>
           </a:p>
@@ -545,7 +547,7 @@
           <a:p>
             <a:fld id="{7AF2E0C9-D86E-43E7-B2B5-361CA62199AB}" type="slidenum">
               <a:rPr lang="de-AT" smtClean="0"/>
-              <a:t>‹#›</a:t>
+              <a:t>‹Nr.›</a:t>
             </a:fld>
             <a:endParaRPr lang="de-AT"/>
           </a:p>
@@ -835,7 +837,7 @@
                   <a:srgbClr val="717679"/>
                 </a:solidFill>
               </a:rPr>
-              <a:t>‹#›</a:t>
+              <a:t>‹Nr.›</a:t>
             </a:fld>
             <a:endParaRPr lang="de-AT" sz="1200" dirty="0">
               <a:solidFill>
@@ -1360,7 +1362,7 @@
           <p:cNvPr id="13" name="TextBox 12">
             <a:extLst>
               <a:ext uri="{FF2B5EF4-FFF2-40B4-BE49-F238E27FC236}">
-                <a16:creationId xmlns:a16="http://schemas.microsoft.com/office/drawing/2014/main" id="{86F7912A-B1C2-49C3-B410-DC00AF98748F}"/>
+                <a16:creationId xmlns:a16="http://schemas.microsoft.com/office/drawing/2014/main" xmlns="" id="{86F7912A-B1C2-49C3-B410-DC00AF98748F}"/>
               </a:ext>
             </a:extLst>
           </p:cNvPr>
@@ -1511,7 +1513,7 @@
                   <a:srgbClr val="717679"/>
                 </a:solidFill>
               </a:rPr>
-              <a:t>‹#›</a:t>
+              <a:t>‹Nr.›</a:t>
             </a:fld>
             <a:endParaRPr lang="de-AT" sz="1200" dirty="0">
               <a:solidFill>
@@ -1958,7 +1960,7 @@
                   <a:srgbClr val="717679"/>
                 </a:solidFill>
               </a:rPr>
-              <a:t>‹#›</a:t>
+              <a:t>‹Nr.›</a:t>
             </a:fld>
             <a:endParaRPr lang="de-AT" sz="1200" dirty="0">
               <a:solidFill>
@@ -2587,7 +2589,7 @@
                   <a:srgbClr val="717679"/>
                 </a:solidFill>
               </a:rPr>
-              <a:t>‹#›</a:t>
+              <a:t>‹Nr.›</a:t>
             </a:fld>
             <a:endParaRPr lang="de-AT" sz="1200" dirty="0">
               <a:solidFill>
@@ -3038,7 +3040,7 @@
                   <a:srgbClr val="717679"/>
                 </a:solidFill>
               </a:rPr>
-              <a:t>‹#›</a:t>
+              <a:t>‹Nr.›</a:t>
             </a:fld>
             <a:endParaRPr lang="de-AT" sz="1200" dirty="0">
               <a:solidFill>
@@ -3663,7 +3665,7 @@
                   <a:srgbClr val="717679"/>
                 </a:solidFill>
               </a:rPr>
-              <a:t>‹#›</a:t>
+              <a:t>‹Nr.›</a:t>
             </a:fld>
             <a:endParaRPr lang="de-AT" sz="1200" dirty="0">
               <a:solidFill>
@@ -4110,7 +4112,7 @@
                   <a:srgbClr val="717679"/>
                 </a:solidFill>
               </a:rPr>
-              <a:t>‹#›</a:t>
+              <a:t>‹Nr.›</a:t>
             </a:fld>
             <a:endParaRPr lang="de-AT" sz="1200" dirty="0">
               <a:solidFill>
@@ -5498,7 +5500,7 @@
                   <a:srgbClr val="717679"/>
                 </a:solidFill>
               </a:rPr>
-              <a:t>‹#›</a:t>
+              <a:t>‹Nr.›</a:t>
             </a:fld>
             <a:endParaRPr lang="de-AT" sz="1200" dirty="0">
               <a:solidFill>
@@ -5845,7 +5847,7 @@
           <p:cNvPr id="11" name="TextBox 10">
             <a:extLst>
               <a:ext uri="{FF2B5EF4-FFF2-40B4-BE49-F238E27FC236}">
-                <a16:creationId xmlns:a16="http://schemas.microsoft.com/office/drawing/2014/main" id="{92E96F56-C792-419F-82BE-FEB8BCDD97AA}"/>
+                <a16:creationId xmlns:a16="http://schemas.microsoft.com/office/drawing/2014/main" xmlns="" id="{92E96F56-C792-419F-82BE-FEB8BCDD97AA}"/>
               </a:ext>
             </a:extLst>
           </p:cNvPr>
@@ -6101,7 +6103,7 @@
           <p:cNvPr id="5" name="Footer Placeholder 4">
             <a:extLst>
               <a:ext uri="{FF2B5EF4-FFF2-40B4-BE49-F238E27FC236}">
-                <a16:creationId xmlns:a16="http://schemas.microsoft.com/office/drawing/2014/main" id="{34DCCBC8-209E-48C0-BB29-0058D0C6AC34}"/>
+                <a16:creationId xmlns:a16="http://schemas.microsoft.com/office/drawing/2014/main" xmlns="" id="{34DCCBC8-209E-48C0-BB29-0058D0C6AC34}"/>
               </a:ext>
             </a:extLst>
           </p:cNvPr>
@@ -6473,7 +6475,7 @@
   </p:txStyles>
   <p:extLst>
     <p:ext uri="{27BBF7A9-308A-43DC-89C8-2F10F3537804}">
-      <p15:sldGuideLst xmlns:p15="http://schemas.microsoft.com/office/powerpoint/2012/main">
+      <p15:sldGuideLst xmlns:p15="http://schemas.microsoft.com/office/powerpoint/2012/main" xmlns="">
         <p15:guide id="1" pos="98" userDrawn="1">
           <p15:clr>
             <a:srgbClr val="F26B43"/>
@@ -6532,7 +6534,7 @@
           <p:cNvPr id="2" name="Title 1">
             <a:extLst>
               <a:ext uri="{FF2B5EF4-FFF2-40B4-BE49-F238E27FC236}">
-                <a16:creationId xmlns:a16="http://schemas.microsoft.com/office/drawing/2014/main" id="{E8A0B0BF-C482-4944-BF6B-B506C0EA7E07}"/>
+                <a16:creationId xmlns:a16="http://schemas.microsoft.com/office/drawing/2014/main" xmlns="" id="{E8A0B0BF-C482-4944-BF6B-B506C0EA7E07}"/>
               </a:ext>
             </a:extLst>
           </p:cNvPr>
@@ -6567,7 +6569,7 @@
           <p:cNvPr id="3" name="Title 1">
             <a:extLst>
               <a:ext uri="{FF2B5EF4-FFF2-40B4-BE49-F238E27FC236}">
-                <a16:creationId xmlns:a16="http://schemas.microsoft.com/office/drawing/2014/main" id="{05568CB3-94C1-4713-982B-5C423E05F8A9}"/>
+                <a16:creationId xmlns:a16="http://schemas.microsoft.com/office/drawing/2014/main" xmlns="" id="{05568CB3-94C1-4713-982B-5C423E05F8A9}"/>
               </a:ext>
             </a:extLst>
           </p:cNvPr>
@@ -6669,7 +6671,7 @@
           <p:cNvPr id="6" name="Title 1">
             <a:extLst>
               <a:ext uri="{FF2B5EF4-FFF2-40B4-BE49-F238E27FC236}">
-                <a16:creationId xmlns:a16="http://schemas.microsoft.com/office/drawing/2014/main" id="{164C65C7-2E58-4020-8ACE-95955E42DB49}"/>
+                <a16:creationId xmlns:a16="http://schemas.microsoft.com/office/drawing/2014/main" xmlns="" id="{164C65C7-2E58-4020-8ACE-95955E42DB49}"/>
               </a:ext>
             </a:extLst>
           </p:cNvPr>
@@ -6723,7 +6725,7 @@
           <p:cNvPr id="10" name="TextBox 9">
             <a:extLst>
               <a:ext uri="{FF2B5EF4-FFF2-40B4-BE49-F238E27FC236}">
-                <a16:creationId xmlns:a16="http://schemas.microsoft.com/office/drawing/2014/main" id="{C9CC2F0A-760E-420E-8B3D-A2488C6CF022}"/>
+                <a16:creationId xmlns:a16="http://schemas.microsoft.com/office/drawing/2014/main" xmlns="" id="{C9CC2F0A-760E-420E-8B3D-A2488C6CF022}"/>
               </a:ext>
             </a:extLst>
           </p:cNvPr>
@@ -6803,7 +6805,7 @@
           <p:cNvPr id="9" name="Picture 8">
             <a:extLst>
               <a:ext uri="{FF2B5EF4-FFF2-40B4-BE49-F238E27FC236}">
-                <a16:creationId xmlns:a16="http://schemas.microsoft.com/office/drawing/2014/main" id="{ACF36EB4-D95B-4071-A745-C975E98A4522}"/>
+                <a16:creationId xmlns:a16="http://schemas.microsoft.com/office/drawing/2014/main" xmlns="" id="{ACF36EB4-D95B-4071-A745-C975E98A4522}"/>
               </a:ext>
             </a:extLst>
           </p:cNvPr>
@@ -6863,7 +6865,7 @@
           <p:cNvPr id="6" name="Title 1">
             <a:extLst>
               <a:ext uri="{FF2B5EF4-FFF2-40B4-BE49-F238E27FC236}">
-                <a16:creationId xmlns:a16="http://schemas.microsoft.com/office/drawing/2014/main" id="{164C65C7-2E58-4020-8ACE-95955E42DB49}"/>
+                <a16:creationId xmlns:a16="http://schemas.microsoft.com/office/drawing/2014/main" xmlns="" id="{164C65C7-2E58-4020-8ACE-95955E42DB49}"/>
               </a:ext>
             </a:extLst>
           </p:cNvPr>
@@ -6917,7 +6919,7 @@
           <p:cNvPr id="8" name="Picture 7">
             <a:extLst>
               <a:ext uri="{FF2B5EF4-FFF2-40B4-BE49-F238E27FC236}">
-                <a16:creationId xmlns:a16="http://schemas.microsoft.com/office/drawing/2014/main" id="{6DF65E46-8D36-427B-9930-ECCFA736EB26}"/>
+                <a16:creationId xmlns:a16="http://schemas.microsoft.com/office/drawing/2014/main" xmlns="" id="{6DF65E46-8D36-427B-9930-ECCFA736EB26}"/>
               </a:ext>
             </a:extLst>
           </p:cNvPr>
@@ -6947,7 +6949,7 @@
           <p:cNvPr id="10" name="TextBox 9">
             <a:extLst>
               <a:ext uri="{FF2B5EF4-FFF2-40B4-BE49-F238E27FC236}">
-                <a16:creationId xmlns:a16="http://schemas.microsoft.com/office/drawing/2014/main" id="{C9CC2F0A-760E-420E-8B3D-A2488C6CF022}"/>
+                <a16:creationId xmlns:a16="http://schemas.microsoft.com/office/drawing/2014/main" xmlns="" id="{C9CC2F0A-760E-420E-8B3D-A2488C6CF022}"/>
               </a:ext>
             </a:extLst>
           </p:cNvPr>
@@ -7057,7 +7059,7 @@
           <p:cNvPr id="2" name="Title 1">
             <a:extLst>
               <a:ext uri="{FF2B5EF4-FFF2-40B4-BE49-F238E27FC236}">
-                <a16:creationId xmlns:a16="http://schemas.microsoft.com/office/drawing/2014/main" id="{42AF958B-F2ED-41BA-8233-0BBC9B36EB0B}"/>
+                <a16:creationId xmlns:a16="http://schemas.microsoft.com/office/drawing/2014/main" xmlns="" id="{42AF958B-F2ED-41BA-8233-0BBC9B36EB0B}"/>
               </a:ext>
             </a:extLst>
           </p:cNvPr>
@@ -7085,7 +7087,7 @@
           <p:cNvPr id="6" name="Content Placeholder 5">
             <a:extLst>
               <a:ext uri="{FF2B5EF4-FFF2-40B4-BE49-F238E27FC236}">
-                <a16:creationId xmlns:a16="http://schemas.microsoft.com/office/drawing/2014/main" id="{9FCD6E95-F662-439A-9E10-F1665559C715}"/>
+                <a16:creationId xmlns:a16="http://schemas.microsoft.com/office/drawing/2014/main" xmlns="" id="{9FCD6E95-F662-439A-9E10-F1665559C715}"/>
               </a:ext>
             </a:extLst>
           </p:cNvPr>
@@ -7114,7 +7116,7 @@
           <p:cNvPr id="8" name="Picture 7">
             <a:extLst>
               <a:ext uri="{FF2B5EF4-FFF2-40B4-BE49-F238E27FC236}">
-                <a16:creationId xmlns:a16="http://schemas.microsoft.com/office/drawing/2014/main" id="{2C1EF677-835C-41AB-8EFB-D2F6B470C99A}"/>
+                <a16:creationId xmlns:a16="http://schemas.microsoft.com/office/drawing/2014/main" xmlns="" id="{2C1EF677-835C-41AB-8EFB-D2F6B470C99A}"/>
               </a:ext>
             </a:extLst>
           </p:cNvPr>
@@ -7174,7 +7176,7 @@
           <p:cNvPr id="2" name="Title 1">
             <a:extLst>
               <a:ext uri="{FF2B5EF4-FFF2-40B4-BE49-F238E27FC236}">
-                <a16:creationId xmlns:a16="http://schemas.microsoft.com/office/drawing/2014/main" id="{B6EAEC2F-C403-40E1-B819-57C323E361BA}"/>
+                <a16:creationId xmlns:a16="http://schemas.microsoft.com/office/drawing/2014/main" xmlns="" id="{B6EAEC2F-C403-40E1-B819-57C323E361BA}"/>
               </a:ext>
             </a:extLst>
           </p:cNvPr>
@@ -7202,7 +7204,7 @@
           <p:cNvPr id="4" name="Content Placeholder 5">
             <a:extLst>
               <a:ext uri="{FF2B5EF4-FFF2-40B4-BE49-F238E27FC236}">
-                <a16:creationId xmlns:a16="http://schemas.microsoft.com/office/drawing/2014/main" id="{2D1B71BC-4EDB-4DD5-8AAF-6D788021A534}"/>
+                <a16:creationId xmlns:a16="http://schemas.microsoft.com/office/drawing/2014/main" xmlns="" id="{2D1B71BC-4EDB-4DD5-8AAF-6D788021A534}"/>
               </a:ext>
             </a:extLst>
           </p:cNvPr>
@@ -7231,7 +7233,7 @@
           <p:cNvPr id="5" name="TextBox 4">
             <a:extLst>
               <a:ext uri="{FF2B5EF4-FFF2-40B4-BE49-F238E27FC236}">
-                <a16:creationId xmlns:a16="http://schemas.microsoft.com/office/drawing/2014/main" id="{E16116B7-D53F-45F6-83B5-64FA110DD294}"/>
+                <a16:creationId xmlns:a16="http://schemas.microsoft.com/office/drawing/2014/main" xmlns="" id="{E16116B7-D53F-45F6-83B5-64FA110DD294}"/>
               </a:ext>
             </a:extLst>
           </p:cNvPr>
@@ -7324,7 +7326,7 @@
           <p:cNvPr id="2" name="Title 1">
             <a:extLst>
               <a:ext uri="{FF2B5EF4-FFF2-40B4-BE49-F238E27FC236}">
-                <a16:creationId xmlns:a16="http://schemas.microsoft.com/office/drawing/2014/main" id="{531A1096-433A-4F0A-B1CE-6B9F428685CB}"/>
+                <a16:creationId xmlns:a16="http://schemas.microsoft.com/office/drawing/2014/main" xmlns="" id="{531A1096-433A-4F0A-B1CE-6B9F428685CB}"/>
               </a:ext>
             </a:extLst>
           </p:cNvPr>
@@ -7352,7 +7354,7 @@
           <p:cNvPr id="6" name="Content Placeholder 5">
             <a:extLst>
               <a:ext uri="{FF2B5EF4-FFF2-40B4-BE49-F238E27FC236}">
-                <a16:creationId xmlns:a16="http://schemas.microsoft.com/office/drawing/2014/main" id="{C2176CDC-F7EB-4618-8ED8-A895820E8C3E}"/>
+                <a16:creationId xmlns:a16="http://schemas.microsoft.com/office/drawing/2014/main" xmlns="" id="{C2176CDC-F7EB-4618-8ED8-A895820E8C3E}"/>
               </a:ext>
             </a:extLst>
           </p:cNvPr>
@@ -7381,7 +7383,7 @@
           <p:cNvPr id="4" name="Content Placeholder 3">
             <a:extLst>
               <a:ext uri="{FF2B5EF4-FFF2-40B4-BE49-F238E27FC236}">
-                <a16:creationId xmlns:a16="http://schemas.microsoft.com/office/drawing/2014/main" id="{348B1202-366D-4F29-BA1F-9C498AD0DCB3}"/>
+                <a16:creationId xmlns:a16="http://schemas.microsoft.com/office/drawing/2014/main" xmlns="" id="{348B1202-366D-4F29-BA1F-9C498AD0DCB3}"/>
               </a:ext>
             </a:extLst>
           </p:cNvPr>
@@ -7475,7 +7477,7 @@
           <p:cNvPr id="2" name="Title 1">
             <a:extLst>
               <a:ext uri="{FF2B5EF4-FFF2-40B4-BE49-F238E27FC236}">
-                <a16:creationId xmlns:a16="http://schemas.microsoft.com/office/drawing/2014/main" id="{1ADA3C13-A8B3-4236-BBEC-3AAE9B07E719}"/>
+                <a16:creationId xmlns:a16="http://schemas.microsoft.com/office/drawing/2014/main" xmlns="" id="{1ADA3C13-A8B3-4236-BBEC-3AAE9B07E719}"/>
               </a:ext>
             </a:extLst>
           </p:cNvPr>
@@ -7503,7 +7505,7 @@
           <p:cNvPr id="3" name="Content Placeholder 2">
             <a:extLst>
               <a:ext uri="{FF2B5EF4-FFF2-40B4-BE49-F238E27FC236}">
-                <a16:creationId xmlns:a16="http://schemas.microsoft.com/office/drawing/2014/main" id="{E563CB63-5783-4556-A9DC-064E96876DBB}"/>
+                <a16:creationId xmlns:a16="http://schemas.microsoft.com/office/drawing/2014/main" xmlns="" id="{E563CB63-5783-4556-A9DC-064E96876DBB}"/>
               </a:ext>
             </a:extLst>
           </p:cNvPr>
@@ -7643,7 +7645,7 @@
           <p:cNvPr id="2" name="Title 1">
             <a:extLst>
               <a:ext uri="{FF2B5EF4-FFF2-40B4-BE49-F238E27FC236}">
-                <a16:creationId xmlns:a16="http://schemas.microsoft.com/office/drawing/2014/main" id="{51A77199-CB9F-4EF9-BA9A-34F781076DBF}"/>
+                <a16:creationId xmlns:a16="http://schemas.microsoft.com/office/drawing/2014/main" xmlns="" id="{1ADA3C13-A8B3-4236-BBEC-3AAE9B07E719}"/>
               </a:ext>
             </a:extLst>
           </p:cNvPr>
@@ -7660,9 +7662,14 @@
           <a:lstStyle/>
           <a:p>
             <a:r>
-              <a:rPr lang="de-AT" dirty="0"/>
-              <a:t>Challenges</a:t>
-            </a:r>
+              <a:rPr lang="de-AT" dirty="0" err="1" smtClean="0"/>
+              <a:t>Github</a:t>
+            </a:r>
+            <a:r>
+              <a:rPr lang="de-AT" dirty="0" smtClean="0"/>
+              <a:t> Action</a:t>
+            </a:r>
+            <a:endParaRPr lang="de-AT" dirty="0"/>
           </a:p>
         </p:txBody>
       </p:sp>
@@ -7671,7 +7678,7 @@
           <p:cNvPr id="3" name="Content Placeholder 2">
             <a:extLst>
               <a:ext uri="{FF2B5EF4-FFF2-40B4-BE49-F238E27FC236}">
-                <a16:creationId xmlns:a16="http://schemas.microsoft.com/office/drawing/2014/main" id="{7E389C49-6204-4CE1-A7AA-B4CC69C672A5}"/>
+                <a16:creationId xmlns:a16="http://schemas.microsoft.com/office/drawing/2014/main" xmlns="" id="{E563CB63-5783-4556-A9DC-064E96876DBB}"/>
               </a:ext>
             </a:extLst>
           </p:cNvPr>
@@ -7690,35 +7697,104 @@
             <a:endParaRPr lang="de-AT" dirty="0"/>
           </a:p>
           <a:p>
-            <a:endParaRPr lang="de-AT" dirty="0"/>
-          </a:p>
-          <a:p>
+            <a:r>
+              <a:rPr lang="de-AT" dirty="0" err="1" smtClean="0"/>
+              <a:t>Github</a:t>
+            </a:r>
+            <a:r>
+              <a:rPr lang="de-AT" dirty="0" smtClean="0"/>
+              <a:t> Action </a:t>
+            </a:r>
+            <a:r>
+              <a:rPr lang="de-AT" dirty="0" err="1"/>
+              <a:t>b</a:t>
+            </a:r>
+            <a:r>
+              <a:rPr lang="de-AT" dirty="0" err="1" smtClean="0"/>
+              <a:t>uilds</a:t>
+            </a:r>
+            <a:r>
+              <a:rPr lang="de-AT" dirty="0" smtClean="0"/>
+              <a:t> und </a:t>
+            </a:r>
+            <a:r>
+              <a:rPr lang="de-AT" dirty="0" err="1" smtClean="0"/>
+              <a:t>deploys</a:t>
+            </a:r>
+            <a:r>
+              <a:rPr lang="de-AT" dirty="0" smtClean="0"/>
+              <a:t> Backend und Frontend</a:t>
+            </a:r>
+            <a:r>
+              <a:rPr lang="de-AT" dirty="0" smtClean="0"/>
+              <a:t> </a:t>
+            </a:r>
             <a:r>
               <a:rPr lang="de-AT" dirty="0"/>
-              <a:t>Geopandas </a:t>
-            </a:r>
-          </a:p>
-          <a:p>
-            <a:endParaRPr lang="de-AT" dirty="0"/>
-          </a:p>
-          <a:p>
-            <a:r>
-              <a:rPr lang="de-AT" dirty="0"/>
-              <a:t>Design</a:t>
-            </a:r>
-          </a:p>
-          <a:p>
-            <a:endParaRPr lang="de-AT" dirty="0"/>
-          </a:p>
-          <a:p>
+              <a:t>simultan</a:t>
+            </a:r>
             <a:endParaRPr lang="de-AT" dirty="0"/>
           </a:p>
         </p:txBody>
       </p:sp>
+      <p:pic>
+        <p:nvPicPr>
+          <p:cNvPr id="2051" name="Picture 3"/>
+          <p:cNvPicPr>
+            <a:picLocks noChangeAspect="1" noChangeArrowheads="1"/>
+          </p:cNvPicPr>
+          <p:nvPr/>
+        </p:nvPicPr>
+        <p:blipFill>
+          <a:blip r:embed="rId2">
+            <a:extLst>
+              <a:ext uri="{28A0092B-C50C-407E-A947-70E740481C1C}">
+                <a14:useLocalDpi xmlns:a14="http://schemas.microsoft.com/office/drawing/2010/main" val="0"/>
+              </a:ext>
+            </a:extLst>
+          </a:blip>
+          <a:srcRect/>
+          <a:stretch>
+            <a:fillRect/>
+          </a:stretch>
+        </p:blipFill>
+        <p:spPr bwMode="auto">
+          <a:xfrm>
+            <a:off x="844550" y="2181225"/>
+            <a:ext cx="9906000" cy="3638550"/>
+          </a:xfrm>
+          <a:prstGeom prst="rect">
+            <a:avLst/>
+          </a:prstGeom>
+          <a:noFill/>
+          <a:ln>
+            <a:noFill/>
+          </a:ln>
+          <a:extLst>
+            <a:ext uri="{909E8E84-426E-40DD-AFC4-6F175D3DCCD1}">
+              <a14:hiddenFill xmlns:a14="http://schemas.microsoft.com/office/drawing/2010/main">
+                <a:solidFill>
+                  <a:schemeClr val="accent1"/>
+                </a:solidFill>
+              </a14:hiddenFill>
+            </a:ext>
+            <a:ext uri="{91240B29-F687-4F45-9708-019B960494DF}">
+              <a14:hiddenLine xmlns:a14="http://schemas.microsoft.com/office/drawing/2010/main" w="9525">
+                <a:solidFill>
+                  <a:schemeClr val="tx1"/>
+                </a:solidFill>
+                <a:miter lim="800000"/>
+                <a:headEnd/>
+                <a:tailEnd/>
+              </a14:hiddenLine>
+            </a:ext>
+          </a:extLst>
+        </p:spPr>
+      </p:pic>
     </p:spTree>
     <p:extLst>
       <p:ext uri="{BB962C8B-B14F-4D97-AF65-F5344CB8AC3E}">
-        <p14:creationId xmlns:p14="http://schemas.microsoft.com/office/powerpoint/2010/main" val="854494748"/>
+        <p14:creationId xmlns:p14="http://schemas.microsoft.com/office/powerpoint/2010/main" val="3600135916"/>
       </p:ext>
     </p:extLst>
   </p:cSld>
@@ -7750,7 +7826,7 @@
           <p:cNvPr id="2" name="Title 1">
             <a:extLst>
               <a:ext uri="{FF2B5EF4-FFF2-40B4-BE49-F238E27FC236}">
-                <a16:creationId xmlns:a16="http://schemas.microsoft.com/office/drawing/2014/main" id="{CBB1E26F-C118-407C-B30F-9FE480477020}"/>
+                <a16:creationId xmlns:a16="http://schemas.microsoft.com/office/drawing/2014/main" xmlns="" id="{51A77199-CB9F-4EF9-BA9A-34F781076DBF}"/>
               </a:ext>
             </a:extLst>
           </p:cNvPr>
@@ -7768,7 +7844,7 @@
           <a:p>
             <a:r>
               <a:rPr lang="de-AT" dirty="0"/>
-              <a:t>Weitere Erweiterungsmöglichkeiten</a:t>
+              <a:t>Challenges</a:t>
             </a:r>
           </a:p>
         </p:txBody>
@@ -7778,7 +7854,7 @@
           <p:cNvPr id="3" name="Content Placeholder 2">
             <a:extLst>
               <a:ext uri="{FF2B5EF4-FFF2-40B4-BE49-F238E27FC236}">
-                <a16:creationId xmlns:a16="http://schemas.microsoft.com/office/drawing/2014/main" id="{46E46ADC-7468-4E4D-A2E7-314E1AC08869}"/>
+                <a16:creationId xmlns:a16="http://schemas.microsoft.com/office/drawing/2014/main" xmlns="" id="{7E389C49-6204-4CE1-A7AA-B4CC69C672A5}"/>
               </a:ext>
             </a:extLst>
           </p:cNvPr>
@@ -7797,89 +7873,35 @@
             <a:endParaRPr lang="de-AT" dirty="0"/>
           </a:p>
           <a:p>
+            <a:endParaRPr lang="de-AT" dirty="0"/>
+          </a:p>
+          <a:p>
             <a:r>
               <a:rPr lang="de-AT" dirty="0"/>
-              <a:t>Weitere Daten  - e.g.:</a:t>
-            </a:r>
-          </a:p>
-          <a:p>
-            <a:pPr lvl="1"/>
+              <a:t>Geopandas </a:t>
+            </a:r>
+          </a:p>
+          <a:p>
+            <a:endParaRPr lang="de-AT" dirty="0"/>
+          </a:p>
+          <a:p>
             <a:r>
               <a:rPr lang="de-AT" dirty="0"/>
-              <a:t>Umwelt (Stichwort Flächenversiegelung) </a:t>
-            </a:r>
-          </a:p>
-          <a:p>
-            <a:pPr lvl="1"/>
-            <a:r>
-              <a:rPr lang="de-AT" dirty="0"/>
-              <a:t>Wirtschaft (Inflation, BIP, etc.)</a:t>
-            </a:r>
-          </a:p>
-          <a:p>
-            <a:pPr lvl="1"/>
-            <a:r>
-              <a:rPr lang="de-AT" dirty="0"/>
-              <a:t>Demographie(Bevölkerungswachstum, Anzahl Familienmitglieder, etc.)</a:t>
-            </a:r>
-          </a:p>
-          <a:p>
-            <a:pPr lvl="1"/>
+              <a:t>Design</a:t>
+            </a:r>
+          </a:p>
+          <a:p>
             <a:endParaRPr lang="de-AT" dirty="0"/>
           </a:p>
           <a:p>
-            <a:r>
-              <a:rPr lang="de-AT" dirty="0"/>
-              <a:t>Besseres Vorhersagemodell</a:t>
-            </a:r>
-          </a:p>
-          <a:p>
-            <a:pPr lvl="1">
-              <a:buFont typeface="Symbol" panose="05050102010706020507" pitchFamily="18" charset="2"/>
-              <a:buChar char="Þ"/>
-            </a:pPr>
-            <a:r>
-              <a:rPr lang="de-AT" dirty="0"/>
-              <a:t>Durch Einbezug von Einkommen, Stadtteil, etc.</a:t>
-            </a:r>
-          </a:p>
-          <a:p>
-            <a:pPr lvl="1">
-              <a:buFont typeface="Symbol" panose="05050102010706020507" pitchFamily="18" charset="2"/>
-              <a:buChar char="Þ"/>
-            </a:pPr>
             <a:endParaRPr lang="de-AT" dirty="0"/>
-          </a:p>
-          <a:p>
-            <a:pPr lvl="1">
-              <a:buFont typeface="Symbol" panose="05050102010706020507" pitchFamily="18" charset="2"/>
-              <a:buChar char="Þ"/>
-            </a:pPr>
-            <a:endParaRPr lang="de-AT" dirty="0"/>
-          </a:p>
-          <a:p>
-            <a:pPr marL="457200" lvl="1" indent="0">
-              <a:buNone/>
-            </a:pPr>
-            <a:r>
-              <a:rPr lang="de-AT" dirty="0"/>
-              <a:t>Fokus dieser LV: Solution </a:t>
-            </a:r>
-            <a:r>
-              <a:rPr lang="de-AT" dirty="0" err="1"/>
-              <a:t>Deployment</a:t>
-            </a:r>
-            <a:r>
-              <a:rPr lang="de-AT" dirty="0"/>
-              <a:t> and Communications</a:t>
-            </a:r>
           </a:p>
         </p:txBody>
       </p:sp>
     </p:spTree>
     <p:extLst>
       <p:ext uri="{BB962C8B-B14F-4D97-AF65-F5344CB8AC3E}">
-        <p14:creationId xmlns:p14="http://schemas.microsoft.com/office/powerpoint/2010/main" val="3512293271"/>
+        <p14:creationId xmlns:p14="http://schemas.microsoft.com/office/powerpoint/2010/main" val="854494748"/>
       </p:ext>
     </p:extLst>
   </p:cSld>
@@ -7911,7 +7933,300 @@
           <p:cNvPr id="2" name="Title 1">
             <a:extLst>
               <a:ext uri="{FF2B5EF4-FFF2-40B4-BE49-F238E27FC236}">
-                <a16:creationId xmlns:a16="http://schemas.microsoft.com/office/drawing/2014/main" id="{C953C31A-8A10-4FFF-96D8-52D850E4DD8C}"/>
+                <a16:creationId xmlns:a16="http://schemas.microsoft.com/office/drawing/2014/main" xmlns="" id="{51A77199-CB9F-4EF9-BA9A-34F781076DBF}"/>
+              </a:ext>
+            </a:extLst>
+          </p:cNvPr>
+          <p:cNvSpPr>
+            <a:spLocks noGrp="1"/>
+          </p:cNvSpPr>
+          <p:nvPr>
+            <p:ph type="title"/>
+          </p:nvPr>
+        </p:nvSpPr>
+        <p:spPr/>
+        <p:txBody>
+          <a:bodyPr>
+            <a:normAutofit fontScale="90000"/>
+          </a:bodyPr>
+          <a:lstStyle/>
+          <a:p>
+            <a:r>
+              <a:rPr lang="de-AT" dirty="0" err="1"/>
+              <a:t>Challenges</a:t>
+            </a:r>
+            <a:r>
+              <a:rPr lang="de-AT" dirty="0"/>
+              <a:t> Geopandas </a:t>
+            </a:r>
+            <a:br>
+              <a:rPr lang="de-AT" dirty="0"/>
+            </a:br>
+            <a:endParaRPr lang="de-AT" dirty="0"/>
+          </a:p>
+        </p:txBody>
+      </p:sp>
+      <p:sp>
+        <p:nvSpPr>
+          <p:cNvPr id="3" name="Content Placeholder 2">
+            <a:extLst>
+              <a:ext uri="{FF2B5EF4-FFF2-40B4-BE49-F238E27FC236}">
+                <a16:creationId xmlns:a16="http://schemas.microsoft.com/office/drawing/2014/main" xmlns="" id="{7E389C49-6204-4CE1-A7AA-B4CC69C672A5}"/>
+              </a:ext>
+            </a:extLst>
+          </p:cNvPr>
+          <p:cNvSpPr>
+            <a:spLocks noGrp="1"/>
+          </p:cNvSpPr>
+          <p:nvPr>
+            <p:ph sz="quarter" idx="11"/>
+          </p:nvPr>
+        </p:nvSpPr>
+        <p:spPr/>
+        <p:txBody>
+          <a:bodyPr/>
+          <a:lstStyle/>
+          <a:p>
+            <a:endParaRPr lang="de-AT" dirty="0" smtClean="0"/>
+          </a:p>
+          <a:p>
+            <a:endParaRPr lang="de-AT" dirty="0"/>
+          </a:p>
+          <a:p>
+            <a:endParaRPr lang="de-AT" dirty="0" smtClean="0"/>
+          </a:p>
+          <a:p>
+            <a:endParaRPr lang="de-AT" dirty="0"/>
+          </a:p>
+          <a:p>
+            <a:pPr marL="0" indent="0">
+              <a:buNone/>
+            </a:pPr>
+            <a:endParaRPr lang="de-AT" dirty="0" smtClean="0"/>
+          </a:p>
+          <a:p>
+            <a:r>
+              <a:rPr lang="de-AT" dirty="0"/>
+              <a:t>RUN </a:t>
+            </a:r>
+            <a:r>
+              <a:rPr lang="de-AT" dirty="0" err="1"/>
+              <a:t>apt-get</a:t>
+            </a:r>
+            <a:r>
+              <a:rPr lang="de-AT" dirty="0"/>
+              <a:t> update &amp;&amp; </a:t>
+            </a:r>
+            <a:r>
+              <a:rPr lang="de-AT" dirty="0" err="1"/>
+              <a:t>apt-get</a:t>
+            </a:r>
+            <a:r>
+              <a:rPr lang="de-AT" dirty="0"/>
+              <a:t> </a:t>
+            </a:r>
+            <a:r>
+              <a:rPr lang="de-AT" dirty="0" err="1"/>
+              <a:t>install</a:t>
+            </a:r>
+            <a:r>
+              <a:rPr lang="de-AT" dirty="0"/>
+              <a:t> -y </a:t>
+            </a:r>
+            <a:r>
+              <a:rPr lang="de-AT" dirty="0" err="1"/>
+              <a:t>git</a:t>
+            </a:r>
+            <a:endParaRPr lang="de-AT" dirty="0"/>
+          </a:p>
+          <a:p>
+            <a:r>
+              <a:rPr lang="de-AT" dirty="0"/>
+              <a:t>RUN </a:t>
+            </a:r>
+            <a:r>
+              <a:rPr lang="de-AT" dirty="0" err="1"/>
+              <a:t>apt-get</a:t>
+            </a:r>
+            <a:r>
+              <a:rPr lang="de-AT" dirty="0"/>
+              <a:t> </a:t>
+            </a:r>
+            <a:r>
+              <a:rPr lang="de-AT" dirty="0" err="1"/>
+              <a:t>install</a:t>
+            </a:r>
+            <a:r>
+              <a:rPr lang="de-AT" dirty="0"/>
+              <a:t> -y </a:t>
+            </a:r>
+            <a:r>
+              <a:rPr lang="de-AT" dirty="0" err="1"/>
+              <a:t>libproj-dev</a:t>
+            </a:r>
+            <a:r>
+              <a:rPr lang="de-AT" dirty="0"/>
+              <a:t> </a:t>
+            </a:r>
+            <a:r>
+              <a:rPr lang="de-AT" dirty="0" err="1"/>
+              <a:t>proj-data</a:t>
+            </a:r>
+            <a:r>
+              <a:rPr lang="de-AT" dirty="0"/>
+              <a:t> </a:t>
+            </a:r>
+            <a:r>
+              <a:rPr lang="de-AT" dirty="0" err="1"/>
+              <a:t>proj</a:t>
+            </a:r>
+            <a:r>
+              <a:rPr lang="de-AT" dirty="0"/>
+              <a:t>-bin  </a:t>
+            </a:r>
+          </a:p>
+          <a:p>
+            <a:r>
+              <a:rPr lang="de-AT" dirty="0"/>
+              <a:t>RUN </a:t>
+            </a:r>
+            <a:r>
+              <a:rPr lang="de-AT" dirty="0" err="1"/>
+              <a:t>apt-get</a:t>
+            </a:r>
+            <a:r>
+              <a:rPr lang="de-AT" dirty="0"/>
+              <a:t> </a:t>
+            </a:r>
+            <a:r>
+              <a:rPr lang="de-AT" dirty="0" err="1"/>
+              <a:t>install</a:t>
+            </a:r>
+            <a:r>
+              <a:rPr lang="de-AT" dirty="0"/>
+              <a:t> -y </a:t>
+            </a:r>
+            <a:r>
+              <a:rPr lang="de-AT" dirty="0" err="1"/>
+              <a:t>libgeos-dev</a:t>
+            </a:r>
+            <a:endParaRPr lang="de-AT" dirty="0"/>
+          </a:p>
+          <a:p>
+            <a:r>
+              <a:rPr lang="de-AT" dirty="0"/>
+              <a:t>RUN </a:t>
+            </a:r>
+            <a:r>
+              <a:rPr lang="de-AT" dirty="0" err="1"/>
+              <a:t>apt-get</a:t>
+            </a:r>
+            <a:r>
+              <a:rPr lang="de-AT" dirty="0"/>
+              <a:t> </a:t>
+            </a:r>
+            <a:r>
+              <a:rPr lang="de-AT" dirty="0" err="1"/>
+              <a:t>install</a:t>
+            </a:r>
+            <a:r>
+              <a:rPr lang="de-AT" dirty="0"/>
+              <a:t> -y python3-dev</a:t>
+            </a:r>
+            <a:endParaRPr lang="de-AT" dirty="0"/>
+          </a:p>
+        </p:txBody>
+      </p:sp>
+      <p:pic>
+        <p:nvPicPr>
+          <p:cNvPr id="1027" name="Picture 3"/>
+          <p:cNvPicPr>
+            <a:picLocks noChangeAspect="1" noChangeArrowheads="1"/>
+          </p:cNvPicPr>
+          <p:nvPr/>
+        </p:nvPicPr>
+        <p:blipFill>
+          <a:blip r:embed="rId2">
+            <a:extLst>
+              <a:ext uri="{28A0092B-C50C-407E-A947-70E740481C1C}">
+                <a14:useLocalDpi xmlns:a14="http://schemas.microsoft.com/office/drawing/2010/main" val="0"/>
+              </a:ext>
+            </a:extLst>
+          </a:blip>
+          <a:srcRect/>
+          <a:stretch>
+            <a:fillRect/>
+          </a:stretch>
+        </p:blipFill>
+        <p:spPr bwMode="auto">
+          <a:xfrm>
+            <a:off x="260350" y="885824"/>
+            <a:ext cx="11509375" cy="2301875"/>
+          </a:xfrm>
+          <a:prstGeom prst="rect">
+            <a:avLst/>
+          </a:prstGeom>
+          <a:noFill/>
+          <a:ln>
+            <a:noFill/>
+          </a:ln>
+          <a:extLst>
+            <a:ext uri="{909E8E84-426E-40DD-AFC4-6F175D3DCCD1}">
+              <a14:hiddenFill xmlns:a14="http://schemas.microsoft.com/office/drawing/2010/main">
+                <a:solidFill>
+                  <a:schemeClr val="accent1"/>
+                </a:solidFill>
+              </a14:hiddenFill>
+            </a:ext>
+            <a:ext uri="{91240B29-F687-4F45-9708-019B960494DF}">
+              <a14:hiddenLine xmlns:a14="http://schemas.microsoft.com/office/drawing/2010/main" w="9525">
+                <a:solidFill>
+                  <a:schemeClr val="tx1"/>
+                </a:solidFill>
+                <a:miter lim="800000"/>
+                <a:headEnd/>
+                <a:tailEnd/>
+              </a14:hiddenLine>
+            </a:ext>
+          </a:extLst>
+        </p:spPr>
+      </p:pic>
+    </p:spTree>
+    <p:extLst>
+      <p:ext uri="{BB962C8B-B14F-4D97-AF65-F5344CB8AC3E}">
+        <p14:creationId xmlns:p14="http://schemas.microsoft.com/office/powerpoint/2010/main" val="36674136"/>
+      </p:ext>
+    </p:extLst>
+  </p:cSld>
+  <p:clrMapOvr>
+    <a:masterClrMapping/>
+  </p:clrMapOvr>
+</p:sld>
+</file>
+
+<file path=ppt/slides/slide19.xml><?xml version="1.0" encoding="utf-8"?>
+<p:sld xmlns:a="http://schemas.openxmlformats.org/drawingml/2006/main" xmlns:r="http://schemas.openxmlformats.org/officeDocument/2006/relationships" xmlns:p="http://schemas.openxmlformats.org/presentationml/2006/main">
+  <p:cSld>
+    <p:spTree>
+      <p:nvGrpSpPr>
+        <p:cNvPr id="1" name=""/>
+        <p:cNvGrpSpPr/>
+        <p:nvPr/>
+      </p:nvGrpSpPr>
+      <p:grpSpPr>
+        <a:xfrm>
+          <a:off x="0" y="0"/>
+          <a:ext cx="0" cy="0"/>
+          <a:chOff x="0" y="0"/>
+          <a:chExt cx="0" cy="0"/>
+        </a:xfrm>
+      </p:grpSpPr>
+      <p:sp>
+        <p:nvSpPr>
+          <p:cNvPr id="2" name="Title 1">
+            <a:extLst>
+              <a:ext uri="{FF2B5EF4-FFF2-40B4-BE49-F238E27FC236}">
+                <a16:creationId xmlns:a16="http://schemas.microsoft.com/office/drawing/2014/main" xmlns="" id="{CBB1E26F-C118-407C-B30F-9FE480477020}"/>
               </a:ext>
             </a:extLst>
           </p:cNvPr>
@@ -7929,7 +8244,110 @@
           <a:p>
             <a:r>
               <a:rPr lang="de-AT" dirty="0"/>
-              <a:t>DEMO</a:t>
+              <a:t>Weitere Erweiterungsmöglichkeiten</a:t>
+            </a:r>
+          </a:p>
+        </p:txBody>
+      </p:sp>
+      <p:sp>
+        <p:nvSpPr>
+          <p:cNvPr id="3" name="Content Placeholder 2">
+            <a:extLst>
+              <a:ext uri="{FF2B5EF4-FFF2-40B4-BE49-F238E27FC236}">
+                <a16:creationId xmlns:a16="http://schemas.microsoft.com/office/drawing/2014/main" xmlns="" id="{46E46ADC-7468-4E4D-A2E7-314E1AC08869}"/>
+              </a:ext>
+            </a:extLst>
+          </p:cNvPr>
+          <p:cNvSpPr>
+            <a:spLocks noGrp="1"/>
+          </p:cNvSpPr>
+          <p:nvPr>
+            <p:ph sz="quarter" idx="11"/>
+          </p:nvPr>
+        </p:nvSpPr>
+        <p:spPr/>
+        <p:txBody>
+          <a:bodyPr/>
+          <a:lstStyle/>
+          <a:p>
+            <a:endParaRPr lang="de-AT" dirty="0"/>
+          </a:p>
+          <a:p>
+            <a:r>
+              <a:rPr lang="de-AT" dirty="0"/>
+              <a:t>Weitere Daten  - e.g.:</a:t>
+            </a:r>
+          </a:p>
+          <a:p>
+            <a:pPr lvl="1"/>
+            <a:r>
+              <a:rPr lang="de-AT" dirty="0"/>
+              <a:t>Umwelt (Stichwort Flächenversiegelung) </a:t>
+            </a:r>
+          </a:p>
+          <a:p>
+            <a:pPr lvl="1"/>
+            <a:r>
+              <a:rPr lang="de-AT" dirty="0"/>
+              <a:t>Wirtschaft (Inflation, BIP, etc.)</a:t>
+            </a:r>
+          </a:p>
+          <a:p>
+            <a:pPr lvl="1"/>
+            <a:r>
+              <a:rPr lang="de-AT" dirty="0"/>
+              <a:t>Demographie(Bevölkerungswachstum, Anzahl Familienmitglieder, etc.)</a:t>
+            </a:r>
+          </a:p>
+          <a:p>
+            <a:pPr lvl="1"/>
+            <a:endParaRPr lang="de-AT" dirty="0"/>
+          </a:p>
+          <a:p>
+            <a:r>
+              <a:rPr lang="de-AT" dirty="0"/>
+              <a:t>Besseres Vorhersagemodell</a:t>
+            </a:r>
+          </a:p>
+          <a:p>
+            <a:pPr lvl="1">
+              <a:buFont typeface="Symbol" panose="05050102010706020507" pitchFamily="18" charset="2"/>
+              <a:buChar char="Þ"/>
+            </a:pPr>
+            <a:r>
+              <a:rPr lang="de-AT" dirty="0"/>
+              <a:t>Durch Einbezug von Einkommen, Stadtteil, etc.</a:t>
+            </a:r>
+          </a:p>
+          <a:p>
+            <a:pPr lvl="1">
+              <a:buFont typeface="Symbol" panose="05050102010706020507" pitchFamily="18" charset="2"/>
+              <a:buChar char="Þ"/>
+            </a:pPr>
+            <a:endParaRPr lang="de-AT" dirty="0"/>
+          </a:p>
+          <a:p>
+            <a:pPr lvl="1">
+              <a:buFont typeface="Symbol" panose="05050102010706020507" pitchFamily="18" charset="2"/>
+              <a:buChar char="Þ"/>
+            </a:pPr>
+            <a:endParaRPr lang="de-AT" dirty="0"/>
+          </a:p>
+          <a:p>
+            <a:pPr marL="457200" lvl="1" indent="0">
+              <a:buNone/>
+            </a:pPr>
+            <a:r>
+              <a:rPr lang="de-AT" dirty="0"/>
+              <a:t>Fokus dieser LV: Solution </a:t>
+            </a:r>
+            <a:r>
+              <a:rPr lang="de-AT" dirty="0" err="1"/>
+              <a:t>Deployment</a:t>
+            </a:r>
+            <a:r>
+              <a:rPr lang="de-AT" dirty="0"/>
+              <a:t> and Communications</a:t>
             </a:r>
           </a:p>
         </p:txBody>
@@ -7937,7 +8355,7 @@
     </p:spTree>
     <p:extLst>
       <p:ext uri="{BB962C8B-B14F-4D97-AF65-F5344CB8AC3E}">
-        <p14:creationId xmlns:p14="http://schemas.microsoft.com/office/powerpoint/2010/main" val="1266219238"/>
+        <p14:creationId xmlns:p14="http://schemas.microsoft.com/office/powerpoint/2010/main" val="3512293271"/>
       </p:ext>
     </p:extLst>
   </p:cSld>
@@ -7969,7 +8387,7 @@
           <p:cNvPr id="3" name="Title 2">
             <a:extLst>
               <a:ext uri="{FF2B5EF4-FFF2-40B4-BE49-F238E27FC236}">
-                <a16:creationId xmlns:a16="http://schemas.microsoft.com/office/drawing/2014/main" id="{0DAF6A34-BD94-4029-B5DF-28F34EC04C76}"/>
+                <a16:creationId xmlns:a16="http://schemas.microsoft.com/office/drawing/2014/main" xmlns="" id="{0DAF6A34-BD94-4029-B5DF-28F34EC04C76}"/>
               </a:ext>
             </a:extLst>
           </p:cNvPr>
@@ -7998,7 +8416,7 @@
             <a:hlinkClick r:id="rId2"/>
             <a:extLst>
               <a:ext uri="{FF2B5EF4-FFF2-40B4-BE49-F238E27FC236}">
-                <a16:creationId xmlns:a16="http://schemas.microsoft.com/office/drawing/2014/main" id="{C7F2F5F2-0A32-4A63-BA0B-8B4C1EAEDE4A}"/>
+                <a16:creationId xmlns:a16="http://schemas.microsoft.com/office/drawing/2014/main" xmlns="" id="{C7F2F5F2-0A32-4A63-BA0B-8B4C1EAEDE4A}"/>
               </a:ext>
             </a:extLst>
           </p:cNvPr>
@@ -8028,7 +8446,7 @@
             <a:hlinkClick r:id="rId4"/>
             <a:extLst>
               <a:ext uri="{FF2B5EF4-FFF2-40B4-BE49-F238E27FC236}">
-                <a16:creationId xmlns:a16="http://schemas.microsoft.com/office/drawing/2014/main" id="{C577DC8C-8360-4BCB-9392-F5D9ECD5F84F}"/>
+                <a16:creationId xmlns:a16="http://schemas.microsoft.com/office/drawing/2014/main" xmlns="" id="{C577DC8C-8360-4BCB-9392-F5D9ECD5F84F}"/>
               </a:ext>
             </a:extLst>
           </p:cNvPr>
@@ -8059,7 +8477,7 @@
             <a:hlinkClick r:id="rId6"/>
             <a:extLst>
               <a:ext uri="{FF2B5EF4-FFF2-40B4-BE49-F238E27FC236}">
-                <a16:creationId xmlns:a16="http://schemas.microsoft.com/office/drawing/2014/main" id="{F5028D28-E2F9-4EA3-9736-2FC114C0732F}"/>
+                <a16:creationId xmlns:a16="http://schemas.microsoft.com/office/drawing/2014/main" xmlns="" id="{F5028D28-E2F9-4EA3-9736-2FC114C0732F}"/>
               </a:ext>
             </a:extLst>
           </p:cNvPr>
@@ -8090,7 +8508,7 @@
             <a:hlinkClick r:id="rId8"/>
             <a:extLst>
               <a:ext uri="{FF2B5EF4-FFF2-40B4-BE49-F238E27FC236}">
-                <a16:creationId xmlns:a16="http://schemas.microsoft.com/office/drawing/2014/main" id="{0C01FD69-CC6A-43F4-AA43-7B6B469D2B0D}"/>
+                <a16:creationId xmlns:a16="http://schemas.microsoft.com/office/drawing/2014/main" xmlns="" id="{0C01FD69-CC6A-43F4-AA43-7B6B469D2B0D}"/>
               </a:ext>
             </a:extLst>
           </p:cNvPr>
@@ -8121,7 +8539,7 @@
             <a:hlinkClick r:id="rId10"/>
             <a:extLst>
               <a:ext uri="{FF2B5EF4-FFF2-40B4-BE49-F238E27FC236}">
-                <a16:creationId xmlns:a16="http://schemas.microsoft.com/office/drawing/2014/main" id="{85120E85-B88D-49FA-BED2-44053FC7CF96}"/>
+                <a16:creationId xmlns:a16="http://schemas.microsoft.com/office/drawing/2014/main" xmlns="" id="{85120E85-B88D-49FA-BED2-44053FC7CF96}"/>
               </a:ext>
             </a:extLst>
           </p:cNvPr>
@@ -8152,7 +8570,7 @@
             <a:hlinkClick r:id="rId12"/>
             <a:extLst>
               <a:ext uri="{FF2B5EF4-FFF2-40B4-BE49-F238E27FC236}">
-                <a16:creationId xmlns:a16="http://schemas.microsoft.com/office/drawing/2014/main" id="{53046AAB-2B6D-45F1-A8DF-A542F4881E16}"/>
+                <a16:creationId xmlns:a16="http://schemas.microsoft.com/office/drawing/2014/main" xmlns="" id="{53046AAB-2B6D-45F1-A8DF-A542F4881E16}"/>
               </a:ext>
             </a:extLst>
           </p:cNvPr>
@@ -8724,6 +9142,64 @@
 </p:sld>
 </file>
 
+<file path=ppt/slides/slide20.xml><?xml version="1.0" encoding="utf-8"?>
+<p:sld xmlns:a="http://schemas.openxmlformats.org/drawingml/2006/main" xmlns:r="http://schemas.openxmlformats.org/officeDocument/2006/relationships" xmlns:p="http://schemas.openxmlformats.org/presentationml/2006/main">
+  <p:cSld>
+    <p:spTree>
+      <p:nvGrpSpPr>
+        <p:cNvPr id="1" name=""/>
+        <p:cNvGrpSpPr/>
+        <p:nvPr/>
+      </p:nvGrpSpPr>
+      <p:grpSpPr>
+        <a:xfrm>
+          <a:off x="0" y="0"/>
+          <a:ext cx="0" cy="0"/>
+          <a:chOff x="0" y="0"/>
+          <a:chExt cx="0" cy="0"/>
+        </a:xfrm>
+      </p:grpSpPr>
+      <p:sp>
+        <p:nvSpPr>
+          <p:cNvPr id="2" name="Title 1">
+            <a:extLst>
+              <a:ext uri="{FF2B5EF4-FFF2-40B4-BE49-F238E27FC236}">
+                <a16:creationId xmlns:a16="http://schemas.microsoft.com/office/drawing/2014/main" xmlns="" id="{C953C31A-8A10-4FFF-96D8-52D850E4DD8C}"/>
+              </a:ext>
+            </a:extLst>
+          </p:cNvPr>
+          <p:cNvSpPr>
+            <a:spLocks noGrp="1"/>
+          </p:cNvSpPr>
+          <p:nvPr>
+            <p:ph type="title"/>
+          </p:nvPr>
+        </p:nvSpPr>
+        <p:spPr/>
+        <p:txBody>
+          <a:bodyPr/>
+          <a:lstStyle/>
+          <a:p>
+            <a:r>
+              <a:rPr lang="de-AT" dirty="0"/>
+              <a:t>DEMO</a:t>
+            </a:r>
+          </a:p>
+        </p:txBody>
+      </p:sp>
+    </p:spTree>
+    <p:extLst>
+      <p:ext uri="{BB962C8B-B14F-4D97-AF65-F5344CB8AC3E}">
+        <p14:creationId xmlns:p14="http://schemas.microsoft.com/office/powerpoint/2010/main" val="1266219238"/>
+      </p:ext>
+    </p:extLst>
+  </p:cSld>
+  <p:clrMapOvr>
+    <a:masterClrMapping/>
+  </p:clrMapOvr>
+</p:sld>
+</file>
+
 <file path=ppt/slides/slide3.xml><?xml version="1.0" encoding="utf-8"?>
 <p:sld xmlns:a="http://schemas.openxmlformats.org/drawingml/2006/main" xmlns:r="http://schemas.openxmlformats.org/officeDocument/2006/relationships" xmlns:p="http://schemas.openxmlformats.org/presentationml/2006/main">
   <p:cSld>
@@ -8746,7 +9222,7 @@
           <p:cNvPr id="3" name="Title 2">
             <a:extLst>
               <a:ext uri="{FF2B5EF4-FFF2-40B4-BE49-F238E27FC236}">
-                <a16:creationId xmlns:a16="http://schemas.microsoft.com/office/drawing/2014/main" id="{39A1530F-C884-4249-937B-5CA799C8E0BE}"/>
+                <a16:creationId xmlns:a16="http://schemas.microsoft.com/office/drawing/2014/main" xmlns="" id="{39A1530F-C884-4249-937B-5CA799C8E0BE}"/>
               </a:ext>
             </a:extLst>
           </p:cNvPr>
@@ -8774,7 +9250,7 @@
           <p:cNvPr id="4" name="Content Placeholder 3">
             <a:extLst>
               <a:ext uri="{FF2B5EF4-FFF2-40B4-BE49-F238E27FC236}">
-                <a16:creationId xmlns:a16="http://schemas.microsoft.com/office/drawing/2014/main" id="{DE0677EB-6D08-4275-8655-648E0979338D}"/>
+                <a16:creationId xmlns:a16="http://schemas.microsoft.com/office/drawing/2014/main" xmlns="" id="{DE0677EB-6D08-4275-8655-648E0979338D}"/>
               </a:ext>
             </a:extLst>
           </p:cNvPr>
@@ -8862,7 +9338,7 @@
           <p:cNvPr id="3" name="Title 2">
             <a:extLst>
               <a:ext uri="{FF2B5EF4-FFF2-40B4-BE49-F238E27FC236}">
-                <a16:creationId xmlns:a16="http://schemas.microsoft.com/office/drawing/2014/main" id="{BCD51BA8-C9FA-43D1-A494-ACFD990AAA4D}"/>
+                <a16:creationId xmlns:a16="http://schemas.microsoft.com/office/drawing/2014/main" xmlns="" id="{BCD51BA8-C9FA-43D1-A494-ACFD990AAA4D}"/>
               </a:ext>
             </a:extLst>
           </p:cNvPr>
@@ -8890,7 +9366,7 @@
           <p:cNvPr id="4" name="Content Placeholder 3">
             <a:extLst>
               <a:ext uri="{FF2B5EF4-FFF2-40B4-BE49-F238E27FC236}">
-                <a16:creationId xmlns:a16="http://schemas.microsoft.com/office/drawing/2014/main" id="{9B4A45E3-3045-412A-8FF1-D2C12BF0F2A3}"/>
+                <a16:creationId xmlns:a16="http://schemas.microsoft.com/office/drawing/2014/main" xmlns="" id="{9B4A45E3-3045-412A-8FF1-D2C12BF0F2A3}"/>
               </a:ext>
             </a:extLst>
           </p:cNvPr>
@@ -8960,7 +9436,7 @@
           <p:cNvPr id="7" name="TextBox 6">
             <a:extLst>
               <a:ext uri="{FF2B5EF4-FFF2-40B4-BE49-F238E27FC236}">
-                <a16:creationId xmlns:a16="http://schemas.microsoft.com/office/drawing/2014/main" id="{D3AEAF30-117C-44B4-BD8C-07256023989A}"/>
+                <a16:creationId xmlns:a16="http://schemas.microsoft.com/office/drawing/2014/main" xmlns="" id="{D3AEAF30-117C-44B4-BD8C-07256023989A}"/>
               </a:ext>
             </a:extLst>
           </p:cNvPr>
@@ -8995,7 +9471,7 @@
           <p:cNvPr id="8" name="TextBox 7">
             <a:extLst>
               <a:ext uri="{FF2B5EF4-FFF2-40B4-BE49-F238E27FC236}">
-                <a16:creationId xmlns:a16="http://schemas.microsoft.com/office/drawing/2014/main" id="{5EA2CBF5-BE45-4A95-8ACA-4DA9459F608E}"/>
+                <a16:creationId xmlns:a16="http://schemas.microsoft.com/office/drawing/2014/main" xmlns="" id="{5EA2CBF5-BE45-4A95-8ACA-4DA9459F608E}"/>
               </a:ext>
             </a:extLst>
           </p:cNvPr>
@@ -9030,7 +9506,7 @@
           <p:cNvPr id="9" name="TextBox 8">
             <a:extLst>
               <a:ext uri="{FF2B5EF4-FFF2-40B4-BE49-F238E27FC236}">
-                <a16:creationId xmlns:a16="http://schemas.microsoft.com/office/drawing/2014/main" id="{B0787839-6C73-491B-B1F5-6CF2BEFD924D}"/>
+                <a16:creationId xmlns:a16="http://schemas.microsoft.com/office/drawing/2014/main" xmlns="" id="{B0787839-6C73-491B-B1F5-6CF2BEFD924D}"/>
               </a:ext>
             </a:extLst>
           </p:cNvPr>
@@ -9095,7 +9571,7 @@
           <p:cNvPr id="3" name="Title 2">
             <a:extLst>
               <a:ext uri="{FF2B5EF4-FFF2-40B4-BE49-F238E27FC236}">
-                <a16:creationId xmlns:a16="http://schemas.microsoft.com/office/drawing/2014/main" id="{AC27DCE3-B409-4A77-BD09-02257171BAB9}"/>
+                <a16:creationId xmlns:a16="http://schemas.microsoft.com/office/drawing/2014/main" xmlns="" id="{AC27DCE3-B409-4A77-BD09-02257171BAB9}"/>
               </a:ext>
             </a:extLst>
           </p:cNvPr>
@@ -9123,7 +9599,7 @@
           <p:cNvPr id="4" name="Content Placeholder 3">
             <a:extLst>
               <a:ext uri="{FF2B5EF4-FFF2-40B4-BE49-F238E27FC236}">
-                <a16:creationId xmlns:a16="http://schemas.microsoft.com/office/drawing/2014/main" id="{1E7CDF4D-3DA4-4BCA-A4D4-F19518F6E959}"/>
+                <a16:creationId xmlns:a16="http://schemas.microsoft.com/office/drawing/2014/main" xmlns="" id="{1E7CDF4D-3DA4-4BCA-A4D4-F19518F6E959}"/>
               </a:ext>
             </a:extLst>
           </p:cNvPr>
@@ -9151,6 +9627,10 @@
                 <a:hlinkClick r:id="rId2"/>
               </a:rPr>
               <a:t>Statistik Austria </a:t>
+            </a:r>
+            <a:r>
+              <a:rPr lang="de-AT" dirty="0"/>
+              <a:t/>
             </a:r>
             <a:br>
               <a:rPr lang="de-AT" dirty="0"/>
@@ -9255,7 +9735,7 @@
           <p:cNvPr id="2" name="Title 1">
             <a:extLst>
               <a:ext uri="{FF2B5EF4-FFF2-40B4-BE49-F238E27FC236}">
-                <a16:creationId xmlns:a16="http://schemas.microsoft.com/office/drawing/2014/main" id="{7391B1D8-1C17-4EBB-9287-DF0CD4E14837}"/>
+                <a16:creationId xmlns:a16="http://schemas.microsoft.com/office/drawing/2014/main" xmlns="" id="{7391B1D8-1C17-4EBB-9287-DF0CD4E14837}"/>
               </a:ext>
             </a:extLst>
           </p:cNvPr>
@@ -9283,7 +9763,7 @@
           <p:cNvPr id="5" name="Content Placeholder 4">
             <a:extLst>
               <a:ext uri="{FF2B5EF4-FFF2-40B4-BE49-F238E27FC236}">
-                <a16:creationId xmlns:a16="http://schemas.microsoft.com/office/drawing/2014/main" id="{42376D67-824A-4678-9729-528FE4E43ADB}"/>
+                <a16:creationId xmlns:a16="http://schemas.microsoft.com/office/drawing/2014/main" xmlns="" id="{42376D67-824A-4678-9729-528FE4E43ADB}"/>
               </a:ext>
             </a:extLst>
           </p:cNvPr>
@@ -9312,7 +9792,7 @@
           <p:cNvPr id="7" name="Picture 6">
             <a:extLst>
               <a:ext uri="{FF2B5EF4-FFF2-40B4-BE49-F238E27FC236}">
-                <a16:creationId xmlns:a16="http://schemas.microsoft.com/office/drawing/2014/main" id="{F5AF7E8F-4DB3-4A0D-AD1D-BC647D5E97E4}"/>
+                <a16:creationId xmlns:a16="http://schemas.microsoft.com/office/drawing/2014/main" xmlns="" id="{F5AF7E8F-4DB3-4A0D-AD1D-BC647D5E97E4}"/>
               </a:ext>
             </a:extLst>
           </p:cNvPr>
@@ -9342,7 +9822,7 @@
           <p:cNvPr id="9" name="Picture 8">
             <a:extLst>
               <a:ext uri="{FF2B5EF4-FFF2-40B4-BE49-F238E27FC236}">
-                <a16:creationId xmlns:a16="http://schemas.microsoft.com/office/drawing/2014/main" id="{D3E46BAF-687A-4751-94C5-D373294151ED}"/>
+                <a16:creationId xmlns:a16="http://schemas.microsoft.com/office/drawing/2014/main" xmlns="" id="{D3E46BAF-687A-4751-94C5-D373294151ED}"/>
               </a:ext>
             </a:extLst>
           </p:cNvPr>
@@ -9378,7 +9858,7 @@
           <p:cNvPr id="10" name="TextBox 9">
             <a:extLst>
               <a:ext uri="{FF2B5EF4-FFF2-40B4-BE49-F238E27FC236}">
-                <a16:creationId xmlns:a16="http://schemas.microsoft.com/office/drawing/2014/main" id="{C72E9DF8-039D-45BB-B2C7-A02996642EE7}"/>
+                <a16:creationId xmlns:a16="http://schemas.microsoft.com/office/drawing/2014/main" xmlns="" id="{C72E9DF8-039D-45BB-B2C7-A02996642EE7}"/>
               </a:ext>
             </a:extLst>
           </p:cNvPr>
@@ -9413,7 +9893,7 @@
           <p:cNvPr id="14" name="TextBox 13">
             <a:extLst>
               <a:ext uri="{FF2B5EF4-FFF2-40B4-BE49-F238E27FC236}">
-                <a16:creationId xmlns:a16="http://schemas.microsoft.com/office/drawing/2014/main" id="{6FBE7C5B-61CD-45A2-9250-AEC6A8E47955}"/>
+                <a16:creationId xmlns:a16="http://schemas.microsoft.com/office/drawing/2014/main" xmlns="" id="{6FBE7C5B-61CD-45A2-9250-AEC6A8E47955}"/>
               </a:ext>
             </a:extLst>
           </p:cNvPr>
@@ -9478,7 +9958,7 @@
           <p:cNvPr id="2" name="Title 1">
             <a:extLst>
               <a:ext uri="{FF2B5EF4-FFF2-40B4-BE49-F238E27FC236}">
-                <a16:creationId xmlns:a16="http://schemas.microsoft.com/office/drawing/2014/main" id="{84CE216F-F64E-428C-80C1-216F865699B0}"/>
+                <a16:creationId xmlns:a16="http://schemas.microsoft.com/office/drawing/2014/main" xmlns="" id="{84CE216F-F64E-428C-80C1-216F865699B0}"/>
               </a:ext>
             </a:extLst>
           </p:cNvPr>
@@ -9514,7 +9994,7 @@
           <p:cNvPr id="5" name="Content Placeholder 4">
             <a:extLst>
               <a:ext uri="{FF2B5EF4-FFF2-40B4-BE49-F238E27FC236}">
-                <a16:creationId xmlns:a16="http://schemas.microsoft.com/office/drawing/2014/main" id="{A6D4942F-E215-4FAE-85EC-6B711B8CE3E2}"/>
+                <a16:creationId xmlns:a16="http://schemas.microsoft.com/office/drawing/2014/main" xmlns="" id="{A6D4942F-E215-4FAE-85EC-6B711B8CE3E2}"/>
               </a:ext>
             </a:extLst>
           </p:cNvPr>
@@ -9543,7 +10023,7 @@
           <p:cNvPr id="6" name="Title 1">
             <a:extLst>
               <a:ext uri="{FF2B5EF4-FFF2-40B4-BE49-F238E27FC236}">
-                <a16:creationId xmlns:a16="http://schemas.microsoft.com/office/drawing/2014/main" id="{164C65C7-2E58-4020-8ACE-95955E42DB49}"/>
+                <a16:creationId xmlns:a16="http://schemas.microsoft.com/office/drawing/2014/main" xmlns="" id="{164C65C7-2E58-4020-8ACE-95955E42DB49}"/>
               </a:ext>
             </a:extLst>
           </p:cNvPr>
@@ -9597,7 +10077,7 @@
           <p:cNvPr id="8" name="Picture 7">
             <a:extLst>
               <a:ext uri="{FF2B5EF4-FFF2-40B4-BE49-F238E27FC236}">
-                <a16:creationId xmlns:a16="http://schemas.microsoft.com/office/drawing/2014/main" id="{6DF65E46-8D36-427B-9930-ECCFA736EB26}"/>
+                <a16:creationId xmlns:a16="http://schemas.microsoft.com/office/drawing/2014/main" xmlns="" id="{6DF65E46-8D36-427B-9930-ECCFA736EB26}"/>
               </a:ext>
             </a:extLst>
           </p:cNvPr>
@@ -9657,7 +10137,7 @@
           <p:cNvPr id="6" name="Title 1">
             <a:extLst>
               <a:ext uri="{FF2B5EF4-FFF2-40B4-BE49-F238E27FC236}">
-                <a16:creationId xmlns:a16="http://schemas.microsoft.com/office/drawing/2014/main" id="{164C65C7-2E58-4020-8ACE-95955E42DB49}"/>
+                <a16:creationId xmlns:a16="http://schemas.microsoft.com/office/drawing/2014/main" xmlns="" id="{164C65C7-2E58-4020-8ACE-95955E42DB49}"/>
               </a:ext>
             </a:extLst>
           </p:cNvPr>
@@ -9711,7 +10191,7 @@
           <p:cNvPr id="8" name="Picture 7">
             <a:extLst>
               <a:ext uri="{FF2B5EF4-FFF2-40B4-BE49-F238E27FC236}">
-                <a16:creationId xmlns:a16="http://schemas.microsoft.com/office/drawing/2014/main" id="{6DF65E46-8D36-427B-9930-ECCFA736EB26}"/>
+                <a16:creationId xmlns:a16="http://schemas.microsoft.com/office/drawing/2014/main" xmlns="" id="{6DF65E46-8D36-427B-9930-ECCFA736EB26}"/>
               </a:ext>
             </a:extLst>
           </p:cNvPr>
@@ -9741,7 +10221,7 @@
           <p:cNvPr id="10" name="TextBox 9">
             <a:extLst>
               <a:ext uri="{FF2B5EF4-FFF2-40B4-BE49-F238E27FC236}">
-                <a16:creationId xmlns:a16="http://schemas.microsoft.com/office/drawing/2014/main" id="{C9CC2F0A-760E-420E-8B3D-A2488C6CF022}"/>
+                <a16:creationId xmlns:a16="http://schemas.microsoft.com/office/drawing/2014/main" xmlns="" id="{C9CC2F0A-760E-420E-8B3D-A2488C6CF022}"/>
               </a:ext>
             </a:extLst>
           </p:cNvPr>
@@ -9851,7 +10331,7 @@
           <p:cNvPr id="6" name="Title 1">
             <a:extLst>
               <a:ext uri="{FF2B5EF4-FFF2-40B4-BE49-F238E27FC236}">
-                <a16:creationId xmlns:a16="http://schemas.microsoft.com/office/drawing/2014/main" id="{164C65C7-2E58-4020-8ACE-95955E42DB49}"/>
+                <a16:creationId xmlns:a16="http://schemas.microsoft.com/office/drawing/2014/main" xmlns="" id="{164C65C7-2E58-4020-8ACE-95955E42DB49}"/>
               </a:ext>
             </a:extLst>
           </p:cNvPr>
@@ -9905,7 +10385,7 @@
           <p:cNvPr id="10" name="TextBox 9">
             <a:extLst>
               <a:ext uri="{FF2B5EF4-FFF2-40B4-BE49-F238E27FC236}">
-                <a16:creationId xmlns:a16="http://schemas.microsoft.com/office/drawing/2014/main" id="{C9CC2F0A-760E-420E-8B3D-A2488C6CF022}"/>
+                <a16:creationId xmlns:a16="http://schemas.microsoft.com/office/drawing/2014/main" xmlns="" id="{C9CC2F0A-760E-420E-8B3D-A2488C6CF022}"/>
               </a:ext>
             </a:extLst>
           </p:cNvPr>
@@ -9985,7 +10465,7 @@
           <p:cNvPr id="3" name="Picture 2">
             <a:extLst>
               <a:ext uri="{FF2B5EF4-FFF2-40B4-BE49-F238E27FC236}">
-                <a16:creationId xmlns:a16="http://schemas.microsoft.com/office/drawing/2014/main" id="{109C0AD1-2D44-4DE2-9497-0EE0A673EC04}"/>
+                <a16:creationId xmlns:a16="http://schemas.microsoft.com/office/drawing/2014/main" xmlns="" id="{109C0AD1-2D44-4DE2-9497-0EE0A673EC04}"/>
               </a:ext>
             </a:extLst>
           </p:cNvPr>
@@ -10218,7 +10698,7 @@
   <a:extraClrSchemeLst/>
   <a:extLst>
     <a:ext uri="{05A4C25C-085E-4340-85A3-A5531E510DB2}">
-      <thm15:themeFamily xmlns:thm15="http://schemas.microsoft.com/office/thememl/2012/main" name="Office Theme" id="{62F939B6-93AF-4DB8-9C6B-D6C7DFDC589F}" vid="{4A3C46E8-61CC-4603-A589-7422A47A8E4A}"/>
+      <thm15:themeFamily xmlns:thm15="http://schemas.microsoft.com/office/thememl/2012/main" xmlns="" name="Office Theme" id="{62F939B6-93AF-4DB8-9C6B-D6C7DFDC589F}" vid="{4A3C46E8-61CC-4603-A589-7422A47A8E4A}"/>
     </a:ext>
   </a:extLst>
 </a:theme>
@@ -10513,7 +10993,7 @@
   <a:extraClrSchemeLst/>
   <a:extLst>
     <a:ext uri="{05A4C25C-085E-4340-85A3-A5531E510DB2}">
-      <thm15:themeFamily xmlns:thm15="http://schemas.microsoft.com/office/thememl/2012/main" name="Office Theme" id="{62F939B6-93AF-4DB8-9C6B-D6C7DFDC589F}" vid="{4A3C46E8-61CC-4603-A589-7422A47A8E4A}"/>
+      <thm15:themeFamily xmlns:thm15="http://schemas.microsoft.com/office/thememl/2012/main" xmlns="" name="Office Theme" id="{62F939B6-93AF-4DB8-9C6B-D6C7DFDC589F}" vid="{4A3C46E8-61CC-4603-A589-7422A47A8E4A}"/>
     </a:ext>
   </a:extLst>
 </a:theme>
@@ -10774,7 +11254,7 @@
   <a:extraClrSchemeLst/>
   <a:extLst>
     <a:ext uri="{05A4C25C-085E-4340-85A3-A5531E510DB2}">
-      <thm15:themeFamily xmlns:thm15="http://schemas.microsoft.com/office/thememl/2012/main" name="Office Theme" id="{62F939B6-93AF-4DB8-9C6B-D6C7DFDC589F}" vid="{4A3C46E8-61CC-4603-A589-7422A47A8E4A}"/>
+      <thm15:themeFamily xmlns:thm15="http://schemas.microsoft.com/office/thememl/2012/main" xmlns="" name="Office Theme" id="{62F939B6-93AF-4DB8-9C6B-D6C7DFDC589F}" vid="{4A3C46E8-61CC-4603-A589-7422A47A8E4A}"/>
     </a:ext>
   </a:extLst>
 </a:theme>

--- a/Wohnsituation_Austria.pptx
+++ b/Wohnsituation_Austria.pptx
@@ -131,10 +131,21 @@
   </p:defaultTextStyle>
   <p:extLst>
     <p:ext uri="{EFAFB233-063F-42B5-8137-9DF3F51BA10A}">
-      <p15:sldGuideLst xmlns:p15="http://schemas.microsoft.com/office/powerpoint/2012/main" xmlns=""/>
+      <p15:sldGuideLst xmlns:p15="http://schemas.microsoft.com/office/powerpoint/2012/main">
+        <p15:guide id="1" orient="horz" pos="2160">
+          <p15:clr>
+            <a:srgbClr val="A4A3A4"/>
+          </p15:clr>
+        </p15:guide>
+        <p15:guide id="2" pos="3840">
+          <p15:clr>
+            <a:srgbClr val="A4A3A4"/>
+          </p15:clr>
+        </p15:guide>
+      </p15:sldGuideLst>
     </p:ext>
     <p:ext uri="{2D200454-40CA-4A62-9FC3-DE9A4176ACB9}">
-      <p15:notesGuideLst xmlns:p15="http://schemas.microsoft.com/office/powerpoint/2012/main" xmlns=""/>
+      <p15:notesGuideLst xmlns:p15="http://schemas.microsoft.com/office/powerpoint/2012/main"/>
     </p:ext>
   </p:extLst>
 </p:presentation>
@@ -222,7 +233,7 @@
           <a:p>
             <a:fld id="{177B9070-9281-4B15-842B-9B135EE24603}" type="datetimeFigureOut">
               <a:rPr lang="de-AT" smtClean="0"/>
-              <a:t>24.01.2022</a:t>
+              <a:t>25.01.2022</a:t>
             </a:fld>
             <a:endParaRPr lang="de-AT"/>
           </a:p>
@@ -288,7 +299,7 @@
           <a:p>
             <a:fld id="{CB7FC8AE-2100-403C-A265-5E8967C6F3BC}" type="slidenum">
               <a:rPr lang="de-AT" smtClean="0"/>
-              <a:t>‹Nr.›</a:t>
+              <a:t>‹#›</a:t>
             </a:fld>
             <a:endParaRPr lang="de-AT"/>
           </a:p>
@@ -388,7 +399,7 @@
           <a:p>
             <a:fld id="{E327D1A6-DD3C-4091-BBBF-B0376104DACB}" type="datetimeFigureOut">
               <a:rPr lang="de-AT" smtClean="0"/>
-              <a:t>24.01.2022</a:t>
+              <a:t>25.01.2022</a:t>
             </a:fld>
             <a:endParaRPr lang="de-AT"/>
           </a:p>
@@ -547,7 +558,7 @@
           <a:p>
             <a:fld id="{7AF2E0C9-D86E-43E7-B2B5-361CA62199AB}" type="slidenum">
               <a:rPr lang="de-AT" smtClean="0"/>
-              <a:t>‹Nr.›</a:t>
+              <a:t>‹#›</a:t>
             </a:fld>
             <a:endParaRPr lang="de-AT"/>
           </a:p>
@@ -837,7 +848,7 @@
                   <a:srgbClr val="717679"/>
                 </a:solidFill>
               </a:rPr>
-              <a:t>‹Nr.›</a:t>
+              <a:t>‹#›</a:t>
             </a:fld>
             <a:endParaRPr lang="de-AT" sz="1200" dirty="0">
               <a:solidFill>
@@ -1362,7 +1373,7 @@
           <p:cNvPr id="13" name="TextBox 12">
             <a:extLst>
               <a:ext uri="{FF2B5EF4-FFF2-40B4-BE49-F238E27FC236}">
-                <a16:creationId xmlns:a16="http://schemas.microsoft.com/office/drawing/2014/main" xmlns="" id="{86F7912A-B1C2-49C3-B410-DC00AF98748F}"/>
+                <a16:creationId xmlns:a16="http://schemas.microsoft.com/office/drawing/2014/main" id="{86F7912A-B1C2-49C3-B410-DC00AF98748F}"/>
               </a:ext>
             </a:extLst>
           </p:cNvPr>
@@ -1513,7 +1524,7 @@
                   <a:srgbClr val="717679"/>
                 </a:solidFill>
               </a:rPr>
-              <a:t>‹Nr.›</a:t>
+              <a:t>‹#›</a:t>
             </a:fld>
             <a:endParaRPr lang="de-AT" sz="1200" dirty="0">
               <a:solidFill>
@@ -1960,7 +1971,7 @@
                   <a:srgbClr val="717679"/>
                 </a:solidFill>
               </a:rPr>
-              <a:t>‹Nr.›</a:t>
+              <a:t>‹#›</a:t>
             </a:fld>
             <a:endParaRPr lang="de-AT" sz="1200" dirty="0">
               <a:solidFill>
@@ -2589,7 +2600,7 @@
                   <a:srgbClr val="717679"/>
                 </a:solidFill>
               </a:rPr>
-              <a:t>‹Nr.›</a:t>
+              <a:t>‹#›</a:t>
             </a:fld>
             <a:endParaRPr lang="de-AT" sz="1200" dirty="0">
               <a:solidFill>
@@ -3040,7 +3051,7 @@
                   <a:srgbClr val="717679"/>
                 </a:solidFill>
               </a:rPr>
-              <a:t>‹Nr.›</a:t>
+              <a:t>‹#›</a:t>
             </a:fld>
             <a:endParaRPr lang="de-AT" sz="1200" dirty="0">
               <a:solidFill>
@@ -3665,7 +3676,7 @@
                   <a:srgbClr val="717679"/>
                 </a:solidFill>
               </a:rPr>
-              <a:t>‹Nr.›</a:t>
+              <a:t>‹#›</a:t>
             </a:fld>
             <a:endParaRPr lang="de-AT" sz="1200" dirty="0">
               <a:solidFill>
@@ -4112,7 +4123,7 @@
                   <a:srgbClr val="717679"/>
                 </a:solidFill>
               </a:rPr>
-              <a:t>‹Nr.›</a:t>
+              <a:t>‹#›</a:t>
             </a:fld>
             <a:endParaRPr lang="de-AT" sz="1200" dirty="0">
               <a:solidFill>
@@ -5500,7 +5511,7 @@
                   <a:srgbClr val="717679"/>
                 </a:solidFill>
               </a:rPr>
-              <a:t>‹Nr.›</a:t>
+              <a:t>‹#›</a:t>
             </a:fld>
             <a:endParaRPr lang="de-AT" sz="1200" dirty="0">
               <a:solidFill>
@@ -5847,7 +5858,7 @@
           <p:cNvPr id="11" name="TextBox 10">
             <a:extLst>
               <a:ext uri="{FF2B5EF4-FFF2-40B4-BE49-F238E27FC236}">
-                <a16:creationId xmlns:a16="http://schemas.microsoft.com/office/drawing/2014/main" xmlns="" id="{92E96F56-C792-419F-82BE-FEB8BCDD97AA}"/>
+                <a16:creationId xmlns:a16="http://schemas.microsoft.com/office/drawing/2014/main" id="{92E96F56-C792-419F-82BE-FEB8BCDD97AA}"/>
               </a:ext>
             </a:extLst>
           </p:cNvPr>
@@ -6103,7 +6114,7 @@
           <p:cNvPr id="5" name="Footer Placeholder 4">
             <a:extLst>
               <a:ext uri="{FF2B5EF4-FFF2-40B4-BE49-F238E27FC236}">
-                <a16:creationId xmlns:a16="http://schemas.microsoft.com/office/drawing/2014/main" xmlns="" id="{34DCCBC8-209E-48C0-BB29-0058D0C6AC34}"/>
+                <a16:creationId xmlns:a16="http://schemas.microsoft.com/office/drawing/2014/main" id="{34DCCBC8-209E-48C0-BB29-0058D0C6AC34}"/>
               </a:ext>
             </a:extLst>
           </p:cNvPr>
@@ -6475,7 +6486,7 @@
   </p:txStyles>
   <p:extLst>
     <p:ext uri="{27BBF7A9-308A-43DC-89C8-2F10F3537804}">
-      <p15:sldGuideLst xmlns:p15="http://schemas.microsoft.com/office/powerpoint/2012/main" xmlns="">
+      <p15:sldGuideLst xmlns:p15="http://schemas.microsoft.com/office/powerpoint/2012/main">
         <p15:guide id="1" pos="98" userDrawn="1">
           <p15:clr>
             <a:srgbClr val="F26B43"/>
@@ -6534,7 +6545,7 @@
           <p:cNvPr id="2" name="Title 1">
             <a:extLst>
               <a:ext uri="{FF2B5EF4-FFF2-40B4-BE49-F238E27FC236}">
-                <a16:creationId xmlns:a16="http://schemas.microsoft.com/office/drawing/2014/main" xmlns="" id="{E8A0B0BF-C482-4944-BF6B-B506C0EA7E07}"/>
+                <a16:creationId xmlns:a16="http://schemas.microsoft.com/office/drawing/2014/main" id="{E8A0B0BF-C482-4944-BF6B-B506C0EA7E07}"/>
               </a:ext>
             </a:extLst>
           </p:cNvPr>
@@ -6569,7 +6580,7 @@
           <p:cNvPr id="3" name="Title 1">
             <a:extLst>
               <a:ext uri="{FF2B5EF4-FFF2-40B4-BE49-F238E27FC236}">
-                <a16:creationId xmlns:a16="http://schemas.microsoft.com/office/drawing/2014/main" xmlns="" id="{05568CB3-94C1-4713-982B-5C423E05F8A9}"/>
+                <a16:creationId xmlns:a16="http://schemas.microsoft.com/office/drawing/2014/main" id="{05568CB3-94C1-4713-982B-5C423E05F8A9}"/>
               </a:ext>
             </a:extLst>
           </p:cNvPr>
@@ -6671,7 +6682,7 @@
           <p:cNvPr id="6" name="Title 1">
             <a:extLst>
               <a:ext uri="{FF2B5EF4-FFF2-40B4-BE49-F238E27FC236}">
-                <a16:creationId xmlns:a16="http://schemas.microsoft.com/office/drawing/2014/main" xmlns="" id="{164C65C7-2E58-4020-8ACE-95955E42DB49}"/>
+                <a16:creationId xmlns:a16="http://schemas.microsoft.com/office/drawing/2014/main" id="{164C65C7-2E58-4020-8ACE-95955E42DB49}"/>
               </a:ext>
             </a:extLst>
           </p:cNvPr>
@@ -6725,7 +6736,7 @@
           <p:cNvPr id="10" name="TextBox 9">
             <a:extLst>
               <a:ext uri="{FF2B5EF4-FFF2-40B4-BE49-F238E27FC236}">
-                <a16:creationId xmlns:a16="http://schemas.microsoft.com/office/drawing/2014/main" xmlns="" id="{C9CC2F0A-760E-420E-8B3D-A2488C6CF022}"/>
+                <a16:creationId xmlns:a16="http://schemas.microsoft.com/office/drawing/2014/main" id="{C9CC2F0A-760E-420E-8B3D-A2488C6CF022}"/>
               </a:ext>
             </a:extLst>
           </p:cNvPr>
@@ -6805,7 +6816,7 @@
           <p:cNvPr id="9" name="Picture 8">
             <a:extLst>
               <a:ext uri="{FF2B5EF4-FFF2-40B4-BE49-F238E27FC236}">
-                <a16:creationId xmlns:a16="http://schemas.microsoft.com/office/drawing/2014/main" xmlns="" id="{ACF36EB4-D95B-4071-A745-C975E98A4522}"/>
+                <a16:creationId xmlns:a16="http://schemas.microsoft.com/office/drawing/2014/main" id="{ACF36EB4-D95B-4071-A745-C975E98A4522}"/>
               </a:ext>
             </a:extLst>
           </p:cNvPr>
@@ -6865,7 +6876,7 @@
           <p:cNvPr id="6" name="Title 1">
             <a:extLst>
               <a:ext uri="{FF2B5EF4-FFF2-40B4-BE49-F238E27FC236}">
-                <a16:creationId xmlns:a16="http://schemas.microsoft.com/office/drawing/2014/main" xmlns="" id="{164C65C7-2E58-4020-8ACE-95955E42DB49}"/>
+                <a16:creationId xmlns:a16="http://schemas.microsoft.com/office/drawing/2014/main" id="{164C65C7-2E58-4020-8ACE-95955E42DB49}"/>
               </a:ext>
             </a:extLst>
           </p:cNvPr>
@@ -6919,7 +6930,7 @@
           <p:cNvPr id="8" name="Picture 7">
             <a:extLst>
               <a:ext uri="{FF2B5EF4-FFF2-40B4-BE49-F238E27FC236}">
-                <a16:creationId xmlns:a16="http://schemas.microsoft.com/office/drawing/2014/main" xmlns="" id="{6DF65E46-8D36-427B-9930-ECCFA736EB26}"/>
+                <a16:creationId xmlns:a16="http://schemas.microsoft.com/office/drawing/2014/main" id="{6DF65E46-8D36-427B-9930-ECCFA736EB26}"/>
               </a:ext>
             </a:extLst>
           </p:cNvPr>
@@ -6949,7 +6960,7 @@
           <p:cNvPr id="10" name="TextBox 9">
             <a:extLst>
               <a:ext uri="{FF2B5EF4-FFF2-40B4-BE49-F238E27FC236}">
-                <a16:creationId xmlns:a16="http://schemas.microsoft.com/office/drawing/2014/main" xmlns="" id="{C9CC2F0A-760E-420E-8B3D-A2488C6CF022}"/>
+                <a16:creationId xmlns:a16="http://schemas.microsoft.com/office/drawing/2014/main" id="{C9CC2F0A-760E-420E-8B3D-A2488C6CF022}"/>
               </a:ext>
             </a:extLst>
           </p:cNvPr>
@@ -7059,7 +7070,7 @@
           <p:cNvPr id="2" name="Title 1">
             <a:extLst>
               <a:ext uri="{FF2B5EF4-FFF2-40B4-BE49-F238E27FC236}">
-                <a16:creationId xmlns:a16="http://schemas.microsoft.com/office/drawing/2014/main" xmlns="" id="{42AF958B-F2ED-41BA-8233-0BBC9B36EB0B}"/>
+                <a16:creationId xmlns:a16="http://schemas.microsoft.com/office/drawing/2014/main" id="{42AF958B-F2ED-41BA-8233-0BBC9B36EB0B}"/>
               </a:ext>
             </a:extLst>
           </p:cNvPr>
@@ -7087,7 +7098,7 @@
           <p:cNvPr id="6" name="Content Placeholder 5">
             <a:extLst>
               <a:ext uri="{FF2B5EF4-FFF2-40B4-BE49-F238E27FC236}">
-                <a16:creationId xmlns:a16="http://schemas.microsoft.com/office/drawing/2014/main" xmlns="" id="{9FCD6E95-F662-439A-9E10-F1665559C715}"/>
+                <a16:creationId xmlns:a16="http://schemas.microsoft.com/office/drawing/2014/main" id="{9FCD6E95-F662-439A-9E10-F1665559C715}"/>
               </a:ext>
             </a:extLst>
           </p:cNvPr>
@@ -7116,7 +7127,7 @@
           <p:cNvPr id="8" name="Picture 7">
             <a:extLst>
               <a:ext uri="{FF2B5EF4-FFF2-40B4-BE49-F238E27FC236}">
-                <a16:creationId xmlns:a16="http://schemas.microsoft.com/office/drawing/2014/main" xmlns="" id="{2C1EF677-835C-41AB-8EFB-D2F6B470C99A}"/>
+                <a16:creationId xmlns:a16="http://schemas.microsoft.com/office/drawing/2014/main" id="{2C1EF677-835C-41AB-8EFB-D2F6B470C99A}"/>
               </a:ext>
             </a:extLst>
           </p:cNvPr>
@@ -7176,7 +7187,7 @@
           <p:cNvPr id="2" name="Title 1">
             <a:extLst>
               <a:ext uri="{FF2B5EF4-FFF2-40B4-BE49-F238E27FC236}">
-                <a16:creationId xmlns:a16="http://schemas.microsoft.com/office/drawing/2014/main" xmlns="" id="{B6EAEC2F-C403-40E1-B819-57C323E361BA}"/>
+                <a16:creationId xmlns:a16="http://schemas.microsoft.com/office/drawing/2014/main" id="{B6EAEC2F-C403-40E1-B819-57C323E361BA}"/>
               </a:ext>
             </a:extLst>
           </p:cNvPr>
@@ -7204,7 +7215,7 @@
           <p:cNvPr id="4" name="Content Placeholder 5">
             <a:extLst>
               <a:ext uri="{FF2B5EF4-FFF2-40B4-BE49-F238E27FC236}">
-                <a16:creationId xmlns:a16="http://schemas.microsoft.com/office/drawing/2014/main" xmlns="" id="{2D1B71BC-4EDB-4DD5-8AAF-6D788021A534}"/>
+                <a16:creationId xmlns:a16="http://schemas.microsoft.com/office/drawing/2014/main" id="{2D1B71BC-4EDB-4DD5-8AAF-6D788021A534}"/>
               </a:ext>
             </a:extLst>
           </p:cNvPr>
@@ -7233,7 +7244,7 @@
           <p:cNvPr id="5" name="TextBox 4">
             <a:extLst>
               <a:ext uri="{FF2B5EF4-FFF2-40B4-BE49-F238E27FC236}">
-                <a16:creationId xmlns:a16="http://schemas.microsoft.com/office/drawing/2014/main" xmlns="" id="{E16116B7-D53F-45F6-83B5-64FA110DD294}"/>
+                <a16:creationId xmlns:a16="http://schemas.microsoft.com/office/drawing/2014/main" id="{E16116B7-D53F-45F6-83B5-64FA110DD294}"/>
               </a:ext>
             </a:extLst>
           </p:cNvPr>
@@ -7326,7 +7337,7 @@
           <p:cNvPr id="2" name="Title 1">
             <a:extLst>
               <a:ext uri="{FF2B5EF4-FFF2-40B4-BE49-F238E27FC236}">
-                <a16:creationId xmlns:a16="http://schemas.microsoft.com/office/drawing/2014/main" xmlns="" id="{531A1096-433A-4F0A-B1CE-6B9F428685CB}"/>
+                <a16:creationId xmlns:a16="http://schemas.microsoft.com/office/drawing/2014/main" id="{531A1096-433A-4F0A-B1CE-6B9F428685CB}"/>
               </a:ext>
             </a:extLst>
           </p:cNvPr>
@@ -7354,7 +7365,7 @@
           <p:cNvPr id="6" name="Content Placeholder 5">
             <a:extLst>
               <a:ext uri="{FF2B5EF4-FFF2-40B4-BE49-F238E27FC236}">
-                <a16:creationId xmlns:a16="http://schemas.microsoft.com/office/drawing/2014/main" xmlns="" id="{C2176CDC-F7EB-4618-8ED8-A895820E8C3E}"/>
+                <a16:creationId xmlns:a16="http://schemas.microsoft.com/office/drawing/2014/main" id="{C2176CDC-F7EB-4618-8ED8-A895820E8C3E}"/>
               </a:ext>
             </a:extLst>
           </p:cNvPr>
@@ -7383,7 +7394,7 @@
           <p:cNvPr id="4" name="Content Placeholder 3">
             <a:extLst>
               <a:ext uri="{FF2B5EF4-FFF2-40B4-BE49-F238E27FC236}">
-                <a16:creationId xmlns:a16="http://schemas.microsoft.com/office/drawing/2014/main" xmlns="" id="{348B1202-366D-4F29-BA1F-9C498AD0DCB3}"/>
+                <a16:creationId xmlns:a16="http://schemas.microsoft.com/office/drawing/2014/main" id="{348B1202-366D-4F29-BA1F-9C498AD0DCB3}"/>
               </a:ext>
             </a:extLst>
           </p:cNvPr>
@@ -7477,7 +7488,7 @@
           <p:cNvPr id="2" name="Title 1">
             <a:extLst>
               <a:ext uri="{FF2B5EF4-FFF2-40B4-BE49-F238E27FC236}">
-                <a16:creationId xmlns:a16="http://schemas.microsoft.com/office/drawing/2014/main" xmlns="" id="{1ADA3C13-A8B3-4236-BBEC-3AAE9B07E719}"/>
+                <a16:creationId xmlns:a16="http://schemas.microsoft.com/office/drawing/2014/main" id="{1ADA3C13-A8B3-4236-BBEC-3AAE9B07E719}"/>
               </a:ext>
             </a:extLst>
           </p:cNvPr>
@@ -7505,7 +7516,7 @@
           <p:cNvPr id="3" name="Content Placeholder 2">
             <a:extLst>
               <a:ext uri="{FF2B5EF4-FFF2-40B4-BE49-F238E27FC236}">
-                <a16:creationId xmlns:a16="http://schemas.microsoft.com/office/drawing/2014/main" xmlns="" id="{E563CB63-5783-4556-A9DC-064E96876DBB}"/>
+                <a16:creationId xmlns:a16="http://schemas.microsoft.com/office/drawing/2014/main" id="{E563CB63-5783-4556-A9DC-064E96876DBB}"/>
               </a:ext>
             </a:extLst>
           </p:cNvPr>
@@ -7530,7 +7541,23 @@
             </a:r>
             <a:r>
               <a:rPr lang="de-AT" dirty="0"/>
-              <a:t>, </a:t>
+              <a:t>: </a:t>
+            </a:r>
+            <a:r>
+              <a:rPr lang="de-AT" dirty="0">
+                <a:hlinkClick r:id="rId2"/>
+              </a:rPr>
+              <a:t>https://github.com/ds20m017/rent-dashboard</a:t>
+            </a:r>
+            <a:endParaRPr lang="de-AT" dirty="0"/>
+          </a:p>
+          <a:p>
+            <a:endParaRPr lang="de-AT" dirty="0"/>
+          </a:p>
+          <a:p>
+            <a:r>
+              <a:rPr lang="de-AT"/>
+              <a:t> </a:t>
             </a:r>
             <a:r>
               <a:rPr lang="de-AT" dirty="0" err="1"/>
@@ -7578,7 +7605,7 @@
               <a:rPr lang="en-US" b="0" i="0" u="sng" dirty="0">
                 <a:effectLst/>
                 <a:latin typeface="-apple-system"/>
-                <a:hlinkClick r:id="rId2"/>
+                <a:hlinkClick r:id="rId3"/>
               </a:rPr>
               <a:t>http://rent-dashboard.azurewebsites.net/</a:t>
             </a:r>
@@ -7596,7 +7623,7 @@
               <a:rPr lang="en-US" b="0" i="0" u="none" strike="noStrike" dirty="0">
                 <a:effectLst/>
                 <a:latin typeface="-apple-system"/>
-                <a:hlinkClick r:id="rId3"/>
+                <a:hlinkClick r:id="rId4"/>
               </a:rPr>
               <a:t>http://rent-dashboard-backend.azurewebsites.net/</a:t>
             </a:r>
@@ -7645,7 +7672,7 @@
           <p:cNvPr id="2" name="Title 1">
             <a:extLst>
               <a:ext uri="{FF2B5EF4-FFF2-40B4-BE49-F238E27FC236}">
-                <a16:creationId xmlns:a16="http://schemas.microsoft.com/office/drawing/2014/main" xmlns="" id="{1ADA3C13-A8B3-4236-BBEC-3AAE9B07E719}"/>
+                <a16:creationId xmlns:a16="http://schemas.microsoft.com/office/drawing/2014/main" id="{1ADA3C13-A8B3-4236-BBEC-3AAE9B07E719}"/>
               </a:ext>
             </a:extLst>
           </p:cNvPr>
@@ -7662,14 +7689,13 @@
           <a:lstStyle/>
           <a:p>
             <a:r>
-              <a:rPr lang="de-AT" dirty="0" err="1" smtClean="0"/>
+              <a:rPr lang="de-AT" dirty="0" err="1"/>
               <a:t>Github</a:t>
             </a:r>
             <a:r>
-              <a:rPr lang="de-AT" dirty="0" smtClean="0"/>
+              <a:rPr lang="de-AT" dirty="0"/>
               <a:t> Action</a:t>
             </a:r>
-            <a:endParaRPr lang="de-AT" dirty="0"/>
           </a:p>
         </p:txBody>
       </p:sp>
@@ -7678,7 +7704,7 @@
           <p:cNvPr id="3" name="Content Placeholder 2">
             <a:extLst>
               <a:ext uri="{FF2B5EF4-FFF2-40B4-BE49-F238E27FC236}">
-                <a16:creationId xmlns:a16="http://schemas.microsoft.com/office/drawing/2014/main" xmlns="" id="{E563CB63-5783-4556-A9DC-064E96876DBB}"/>
+                <a16:creationId xmlns:a16="http://schemas.microsoft.com/office/drawing/2014/main" id="{E563CB63-5783-4556-A9DC-064E96876DBB}"/>
               </a:ext>
             </a:extLst>
           </p:cNvPr>
@@ -7698,42 +7724,29 @@
           </a:p>
           <a:p>
             <a:r>
-              <a:rPr lang="de-AT" dirty="0" err="1" smtClean="0"/>
+              <a:rPr lang="de-AT" dirty="0" err="1"/>
               <a:t>Github</a:t>
             </a:r>
             <a:r>
-              <a:rPr lang="de-AT" dirty="0" smtClean="0"/>
+              <a:rPr lang="de-AT" dirty="0"/>
               <a:t> Action </a:t>
             </a:r>
             <a:r>
               <a:rPr lang="de-AT" dirty="0" err="1"/>
-              <a:t>b</a:t>
-            </a:r>
-            <a:r>
-              <a:rPr lang="de-AT" dirty="0" err="1" smtClean="0"/>
-              <a:t>uilds</a:t>
-            </a:r>
-            <a:r>
-              <a:rPr lang="de-AT" dirty="0" smtClean="0"/>
+              <a:t>builds</a:t>
+            </a:r>
+            <a:r>
+              <a:rPr lang="de-AT" dirty="0"/>
               <a:t> und </a:t>
             </a:r>
             <a:r>
-              <a:rPr lang="de-AT" dirty="0" err="1" smtClean="0"/>
+              <a:rPr lang="de-AT" dirty="0" err="1"/>
               <a:t>deploys</a:t>
             </a:r>
             <a:r>
-              <a:rPr lang="de-AT" dirty="0" smtClean="0"/>
-              <a:t> Backend und Frontend</a:t>
-            </a:r>
-            <a:r>
-              <a:rPr lang="de-AT" dirty="0" smtClean="0"/>
-              <a:t> </a:t>
-            </a:r>
-            <a:r>
               <a:rPr lang="de-AT" dirty="0"/>
-              <a:t>simultan</a:t>
-            </a:r>
-            <a:endParaRPr lang="de-AT" dirty="0"/>
+              <a:t> Backend und Frontend simultan</a:t>
+            </a:r>
           </a:p>
         </p:txBody>
       </p:sp>
@@ -7826,7 +7839,7 @@
           <p:cNvPr id="2" name="Title 1">
             <a:extLst>
               <a:ext uri="{FF2B5EF4-FFF2-40B4-BE49-F238E27FC236}">
-                <a16:creationId xmlns:a16="http://schemas.microsoft.com/office/drawing/2014/main" xmlns="" id="{51A77199-CB9F-4EF9-BA9A-34F781076DBF}"/>
+                <a16:creationId xmlns:a16="http://schemas.microsoft.com/office/drawing/2014/main" id="{51A77199-CB9F-4EF9-BA9A-34F781076DBF}"/>
               </a:ext>
             </a:extLst>
           </p:cNvPr>
@@ -7854,7 +7867,7 @@
           <p:cNvPr id="3" name="Content Placeholder 2">
             <a:extLst>
               <a:ext uri="{FF2B5EF4-FFF2-40B4-BE49-F238E27FC236}">
-                <a16:creationId xmlns:a16="http://schemas.microsoft.com/office/drawing/2014/main" xmlns="" id="{7E389C49-6204-4CE1-A7AA-B4CC69C672A5}"/>
+                <a16:creationId xmlns:a16="http://schemas.microsoft.com/office/drawing/2014/main" id="{7E389C49-6204-4CE1-A7AA-B4CC69C672A5}"/>
               </a:ext>
             </a:extLst>
           </p:cNvPr>
@@ -7933,7 +7946,7 @@
           <p:cNvPr id="2" name="Title 1">
             <a:extLst>
               <a:ext uri="{FF2B5EF4-FFF2-40B4-BE49-F238E27FC236}">
-                <a16:creationId xmlns:a16="http://schemas.microsoft.com/office/drawing/2014/main" xmlns="" id="{51A77199-CB9F-4EF9-BA9A-34F781076DBF}"/>
+                <a16:creationId xmlns:a16="http://schemas.microsoft.com/office/drawing/2014/main" id="{51A77199-CB9F-4EF9-BA9A-34F781076DBF}"/>
               </a:ext>
             </a:extLst>
           </p:cNvPr>
@@ -7971,7 +7984,7 @@
           <p:cNvPr id="3" name="Content Placeholder 2">
             <a:extLst>
               <a:ext uri="{FF2B5EF4-FFF2-40B4-BE49-F238E27FC236}">
-                <a16:creationId xmlns:a16="http://schemas.microsoft.com/office/drawing/2014/main" xmlns="" id="{7E389C49-6204-4CE1-A7AA-B4CC69C672A5}"/>
+                <a16:creationId xmlns:a16="http://schemas.microsoft.com/office/drawing/2014/main" id="{7E389C49-6204-4CE1-A7AA-B4CC69C672A5}"/>
               </a:ext>
             </a:extLst>
           </p:cNvPr>
@@ -7987,13 +8000,13 @@
           <a:bodyPr/>
           <a:lstStyle/>
           <a:p>
-            <a:endParaRPr lang="de-AT" dirty="0" smtClean="0"/>
-          </a:p>
-          <a:p>
             <a:endParaRPr lang="de-AT" dirty="0"/>
           </a:p>
           <a:p>
-            <a:endParaRPr lang="de-AT" dirty="0" smtClean="0"/>
+            <a:endParaRPr lang="de-AT" dirty="0"/>
+          </a:p>
+          <a:p>
+            <a:endParaRPr lang="de-AT" dirty="0"/>
           </a:p>
           <a:p>
             <a:endParaRPr lang="de-AT" dirty="0"/>
@@ -8002,7 +8015,7 @@
             <a:pPr marL="0" indent="0">
               <a:buNone/>
             </a:pPr>
-            <a:endParaRPr lang="de-AT" dirty="0" smtClean="0"/>
+            <a:endParaRPr lang="de-AT" dirty="0"/>
           </a:p>
           <a:p>
             <a:r>
@@ -8133,7 +8146,6 @@
               <a:rPr lang="de-AT" dirty="0"/>
               <a:t> -y python3-dev</a:t>
             </a:r>
-            <a:endParaRPr lang="de-AT" dirty="0"/>
           </a:p>
         </p:txBody>
       </p:sp>
@@ -8226,7 +8238,7 @@
           <p:cNvPr id="2" name="Title 1">
             <a:extLst>
               <a:ext uri="{FF2B5EF4-FFF2-40B4-BE49-F238E27FC236}">
-                <a16:creationId xmlns:a16="http://schemas.microsoft.com/office/drawing/2014/main" xmlns="" id="{CBB1E26F-C118-407C-B30F-9FE480477020}"/>
+                <a16:creationId xmlns:a16="http://schemas.microsoft.com/office/drawing/2014/main" id="{CBB1E26F-C118-407C-B30F-9FE480477020}"/>
               </a:ext>
             </a:extLst>
           </p:cNvPr>
@@ -8254,7 +8266,7 @@
           <p:cNvPr id="3" name="Content Placeholder 2">
             <a:extLst>
               <a:ext uri="{FF2B5EF4-FFF2-40B4-BE49-F238E27FC236}">
-                <a16:creationId xmlns:a16="http://schemas.microsoft.com/office/drawing/2014/main" xmlns="" id="{46E46ADC-7468-4E4D-A2E7-314E1AC08869}"/>
+                <a16:creationId xmlns:a16="http://schemas.microsoft.com/office/drawing/2014/main" id="{46E46ADC-7468-4E4D-A2E7-314E1AC08869}"/>
               </a:ext>
             </a:extLst>
           </p:cNvPr>
@@ -8387,7 +8399,7 @@
           <p:cNvPr id="3" name="Title 2">
             <a:extLst>
               <a:ext uri="{FF2B5EF4-FFF2-40B4-BE49-F238E27FC236}">
-                <a16:creationId xmlns:a16="http://schemas.microsoft.com/office/drawing/2014/main" xmlns="" id="{0DAF6A34-BD94-4029-B5DF-28F34EC04C76}"/>
+                <a16:creationId xmlns:a16="http://schemas.microsoft.com/office/drawing/2014/main" id="{0DAF6A34-BD94-4029-B5DF-28F34EC04C76}"/>
               </a:ext>
             </a:extLst>
           </p:cNvPr>
@@ -8416,7 +8428,7 @@
             <a:hlinkClick r:id="rId2"/>
             <a:extLst>
               <a:ext uri="{FF2B5EF4-FFF2-40B4-BE49-F238E27FC236}">
-                <a16:creationId xmlns:a16="http://schemas.microsoft.com/office/drawing/2014/main" xmlns="" id="{C7F2F5F2-0A32-4A63-BA0B-8B4C1EAEDE4A}"/>
+                <a16:creationId xmlns:a16="http://schemas.microsoft.com/office/drawing/2014/main" id="{C7F2F5F2-0A32-4A63-BA0B-8B4C1EAEDE4A}"/>
               </a:ext>
             </a:extLst>
           </p:cNvPr>
@@ -8446,7 +8458,7 @@
             <a:hlinkClick r:id="rId4"/>
             <a:extLst>
               <a:ext uri="{FF2B5EF4-FFF2-40B4-BE49-F238E27FC236}">
-                <a16:creationId xmlns:a16="http://schemas.microsoft.com/office/drawing/2014/main" xmlns="" id="{C577DC8C-8360-4BCB-9392-F5D9ECD5F84F}"/>
+                <a16:creationId xmlns:a16="http://schemas.microsoft.com/office/drawing/2014/main" id="{C577DC8C-8360-4BCB-9392-F5D9ECD5F84F}"/>
               </a:ext>
             </a:extLst>
           </p:cNvPr>
@@ -8477,7 +8489,7 @@
             <a:hlinkClick r:id="rId6"/>
             <a:extLst>
               <a:ext uri="{FF2B5EF4-FFF2-40B4-BE49-F238E27FC236}">
-                <a16:creationId xmlns:a16="http://schemas.microsoft.com/office/drawing/2014/main" xmlns="" id="{F5028D28-E2F9-4EA3-9736-2FC114C0732F}"/>
+                <a16:creationId xmlns:a16="http://schemas.microsoft.com/office/drawing/2014/main" id="{F5028D28-E2F9-4EA3-9736-2FC114C0732F}"/>
               </a:ext>
             </a:extLst>
           </p:cNvPr>
@@ -8508,7 +8520,7 @@
             <a:hlinkClick r:id="rId8"/>
             <a:extLst>
               <a:ext uri="{FF2B5EF4-FFF2-40B4-BE49-F238E27FC236}">
-                <a16:creationId xmlns:a16="http://schemas.microsoft.com/office/drawing/2014/main" xmlns="" id="{0C01FD69-CC6A-43F4-AA43-7B6B469D2B0D}"/>
+                <a16:creationId xmlns:a16="http://schemas.microsoft.com/office/drawing/2014/main" id="{0C01FD69-CC6A-43F4-AA43-7B6B469D2B0D}"/>
               </a:ext>
             </a:extLst>
           </p:cNvPr>
@@ -8539,7 +8551,7 @@
             <a:hlinkClick r:id="rId10"/>
             <a:extLst>
               <a:ext uri="{FF2B5EF4-FFF2-40B4-BE49-F238E27FC236}">
-                <a16:creationId xmlns:a16="http://schemas.microsoft.com/office/drawing/2014/main" xmlns="" id="{85120E85-B88D-49FA-BED2-44053FC7CF96}"/>
+                <a16:creationId xmlns:a16="http://schemas.microsoft.com/office/drawing/2014/main" id="{85120E85-B88D-49FA-BED2-44053FC7CF96}"/>
               </a:ext>
             </a:extLst>
           </p:cNvPr>
@@ -8570,7 +8582,7 @@
             <a:hlinkClick r:id="rId12"/>
             <a:extLst>
               <a:ext uri="{FF2B5EF4-FFF2-40B4-BE49-F238E27FC236}">
-                <a16:creationId xmlns:a16="http://schemas.microsoft.com/office/drawing/2014/main" xmlns="" id="{53046AAB-2B6D-45F1-A8DF-A542F4881E16}"/>
+                <a16:creationId xmlns:a16="http://schemas.microsoft.com/office/drawing/2014/main" id="{53046AAB-2B6D-45F1-A8DF-A542F4881E16}"/>
               </a:ext>
             </a:extLst>
           </p:cNvPr>
@@ -9164,7 +9176,7 @@
           <p:cNvPr id="2" name="Title 1">
             <a:extLst>
               <a:ext uri="{FF2B5EF4-FFF2-40B4-BE49-F238E27FC236}">
-                <a16:creationId xmlns:a16="http://schemas.microsoft.com/office/drawing/2014/main" xmlns="" id="{C953C31A-8A10-4FFF-96D8-52D850E4DD8C}"/>
+                <a16:creationId xmlns:a16="http://schemas.microsoft.com/office/drawing/2014/main" id="{C953C31A-8A10-4FFF-96D8-52D850E4DD8C}"/>
               </a:ext>
             </a:extLst>
           </p:cNvPr>
@@ -9222,7 +9234,7 @@
           <p:cNvPr id="3" name="Title 2">
             <a:extLst>
               <a:ext uri="{FF2B5EF4-FFF2-40B4-BE49-F238E27FC236}">
-                <a16:creationId xmlns:a16="http://schemas.microsoft.com/office/drawing/2014/main" xmlns="" id="{39A1530F-C884-4249-937B-5CA799C8E0BE}"/>
+                <a16:creationId xmlns:a16="http://schemas.microsoft.com/office/drawing/2014/main" id="{39A1530F-C884-4249-937B-5CA799C8E0BE}"/>
               </a:ext>
             </a:extLst>
           </p:cNvPr>
@@ -9250,7 +9262,7 @@
           <p:cNvPr id="4" name="Content Placeholder 3">
             <a:extLst>
               <a:ext uri="{FF2B5EF4-FFF2-40B4-BE49-F238E27FC236}">
-                <a16:creationId xmlns:a16="http://schemas.microsoft.com/office/drawing/2014/main" xmlns="" id="{DE0677EB-6D08-4275-8655-648E0979338D}"/>
+                <a16:creationId xmlns:a16="http://schemas.microsoft.com/office/drawing/2014/main" id="{DE0677EB-6D08-4275-8655-648E0979338D}"/>
               </a:ext>
             </a:extLst>
           </p:cNvPr>
@@ -9338,7 +9350,7 @@
           <p:cNvPr id="3" name="Title 2">
             <a:extLst>
               <a:ext uri="{FF2B5EF4-FFF2-40B4-BE49-F238E27FC236}">
-                <a16:creationId xmlns:a16="http://schemas.microsoft.com/office/drawing/2014/main" xmlns="" id="{BCD51BA8-C9FA-43D1-A494-ACFD990AAA4D}"/>
+                <a16:creationId xmlns:a16="http://schemas.microsoft.com/office/drawing/2014/main" id="{BCD51BA8-C9FA-43D1-A494-ACFD990AAA4D}"/>
               </a:ext>
             </a:extLst>
           </p:cNvPr>
@@ -9366,7 +9378,7 @@
           <p:cNvPr id="4" name="Content Placeholder 3">
             <a:extLst>
               <a:ext uri="{FF2B5EF4-FFF2-40B4-BE49-F238E27FC236}">
-                <a16:creationId xmlns:a16="http://schemas.microsoft.com/office/drawing/2014/main" xmlns="" id="{9B4A45E3-3045-412A-8FF1-D2C12BF0F2A3}"/>
+                <a16:creationId xmlns:a16="http://schemas.microsoft.com/office/drawing/2014/main" id="{9B4A45E3-3045-412A-8FF1-D2C12BF0F2A3}"/>
               </a:ext>
             </a:extLst>
           </p:cNvPr>
@@ -9436,7 +9448,7 @@
           <p:cNvPr id="7" name="TextBox 6">
             <a:extLst>
               <a:ext uri="{FF2B5EF4-FFF2-40B4-BE49-F238E27FC236}">
-                <a16:creationId xmlns:a16="http://schemas.microsoft.com/office/drawing/2014/main" xmlns="" id="{D3AEAF30-117C-44B4-BD8C-07256023989A}"/>
+                <a16:creationId xmlns:a16="http://schemas.microsoft.com/office/drawing/2014/main" id="{D3AEAF30-117C-44B4-BD8C-07256023989A}"/>
               </a:ext>
             </a:extLst>
           </p:cNvPr>
@@ -9471,7 +9483,7 @@
           <p:cNvPr id="8" name="TextBox 7">
             <a:extLst>
               <a:ext uri="{FF2B5EF4-FFF2-40B4-BE49-F238E27FC236}">
-                <a16:creationId xmlns:a16="http://schemas.microsoft.com/office/drawing/2014/main" xmlns="" id="{5EA2CBF5-BE45-4A95-8ACA-4DA9459F608E}"/>
+                <a16:creationId xmlns:a16="http://schemas.microsoft.com/office/drawing/2014/main" id="{5EA2CBF5-BE45-4A95-8ACA-4DA9459F608E}"/>
               </a:ext>
             </a:extLst>
           </p:cNvPr>
@@ -9506,7 +9518,7 @@
           <p:cNvPr id="9" name="TextBox 8">
             <a:extLst>
               <a:ext uri="{FF2B5EF4-FFF2-40B4-BE49-F238E27FC236}">
-                <a16:creationId xmlns:a16="http://schemas.microsoft.com/office/drawing/2014/main" xmlns="" id="{B0787839-6C73-491B-B1F5-6CF2BEFD924D}"/>
+                <a16:creationId xmlns:a16="http://schemas.microsoft.com/office/drawing/2014/main" id="{B0787839-6C73-491B-B1F5-6CF2BEFD924D}"/>
               </a:ext>
             </a:extLst>
           </p:cNvPr>
@@ -9571,7 +9583,7 @@
           <p:cNvPr id="3" name="Title 2">
             <a:extLst>
               <a:ext uri="{FF2B5EF4-FFF2-40B4-BE49-F238E27FC236}">
-                <a16:creationId xmlns:a16="http://schemas.microsoft.com/office/drawing/2014/main" xmlns="" id="{AC27DCE3-B409-4A77-BD09-02257171BAB9}"/>
+                <a16:creationId xmlns:a16="http://schemas.microsoft.com/office/drawing/2014/main" id="{AC27DCE3-B409-4A77-BD09-02257171BAB9}"/>
               </a:ext>
             </a:extLst>
           </p:cNvPr>
@@ -9599,7 +9611,7 @@
           <p:cNvPr id="4" name="Content Placeholder 3">
             <a:extLst>
               <a:ext uri="{FF2B5EF4-FFF2-40B4-BE49-F238E27FC236}">
-                <a16:creationId xmlns:a16="http://schemas.microsoft.com/office/drawing/2014/main" xmlns="" id="{1E7CDF4D-3DA4-4BCA-A4D4-F19518F6E959}"/>
+                <a16:creationId xmlns:a16="http://schemas.microsoft.com/office/drawing/2014/main" id="{1E7CDF4D-3DA4-4BCA-A4D4-F19518F6E959}"/>
               </a:ext>
             </a:extLst>
           </p:cNvPr>
@@ -9627,10 +9639,6 @@
                 <a:hlinkClick r:id="rId2"/>
               </a:rPr>
               <a:t>Statistik Austria </a:t>
-            </a:r>
-            <a:r>
-              <a:rPr lang="de-AT" dirty="0"/>
-              <a:t/>
             </a:r>
             <a:br>
               <a:rPr lang="de-AT" dirty="0"/>
@@ -9735,7 +9743,7 @@
           <p:cNvPr id="2" name="Title 1">
             <a:extLst>
               <a:ext uri="{FF2B5EF4-FFF2-40B4-BE49-F238E27FC236}">
-                <a16:creationId xmlns:a16="http://schemas.microsoft.com/office/drawing/2014/main" xmlns="" id="{7391B1D8-1C17-4EBB-9287-DF0CD4E14837}"/>
+                <a16:creationId xmlns:a16="http://schemas.microsoft.com/office/drawing/2014/main" id="{7391B1D8-1C17-4EBB-9287-DF0CD4E14837}"/>
               </a:ext>
             </a:extLst>
           </p:cNvPr>
@@ -9763,7 +9771,7 @@
           <p:cNvPr id="5" name="Content Placeholder 4">
             <a:extLst>
               <a:ext uri="{FF2B5EF4-FFF2-40B4-BE49-F238E27FC236}">
-                <a16:creationId xmlns:a16="http://schemas.microsoft.com/office/drawing/2014/main" xmlns="" id="{42376D67-824A-4678-9729-528FE4E43ADB}"/>
+                <a16:creationId xmlns:a16="http://schemas.microsoft.com/office/drawing/2014/main" id="{42376D67-824A-4678-9729-528FE4E43ADB}"/>
               </a:ext>
             </a:extLst>
           </p:cNvPr>
@@ -9792,7 +9800,7 @@
           <p:cNvPr id="7" name="Picture 6">
             <a:extLst>
               <a:ext uri="{FF2B5EF4-FFF2-40B4-BE49-F238E27FC236}">
-                <a16:creationId xmlns:a16="http://schemas.microsoft.com/office/drawing/2014/main" xmlns="" id="{F5AF7E8F-4DB3-4A0D-AD1D-BC647D5E97E4}"/>
+                <a16:creationId xmlns:a16="http://schemas.microsoft.com/office/drawing/2014/main" id="{F5AF7E8F-4DB3-4A0D-AD1D-BC647D5E97E4}"/>
               </a:ext>
             </a:extLst>
           </p:cNvPr>
@@ -9822,7 +9830,7 @@
           <p:cNvPr id="9" name="Picture 8">
             <a:extLst>
               <a:ext uri="{FF2B5EF4-FFF2-40B4-BE49-F238E27FC236}">
-                <a16:creationId xmlns:a16="http://schemas.microsoft.com/office/drawing/2014/main" xmlns="" id="{D3E46BAF-687A-4751-94C5-D373294151ED}"/>
+                <a16:creationId xmlns:a16="http://schemas.microsoft.com/office/drawing/2014/main" id="{D3E46BAF-687A-4751-94C5-D373294151ED}"/>
               </a:ext>
             </a:extLst>
           </p:cNvPr>
@@ -9858,7 +9866,7 @@
           <p:cNvPr id="10" name="TextBox 9">
             <a:extLst>
               <a:ext uri="{FF2B5EF4-FFF2-40B4-BE49-F238E27FC236}">
-                <a16:creationId xmlns:a16="http://schemas.microsoft.com/office/drawing/2014/main" xmlns="" id="{C72E9DF8-039D-45BB-B2C7-A02996642EE7}"/>
+                <a16:creationId xmlns:a16="http://schemas.microsoft.com/office/drawing/2014/main" id="{C72E9DF8-039D-45BB-B2C7-A02996642EE7}"/>
               </a:ext>
             </a:extLst>
           </p:cNvPr>
@@ -9893,7 +9901,7 @@
           <p:cNvPr id="14" name="TextBox 13">
             <a:extLst>
               <a:ext uri="{FF2B5EF4-FFF2-40B4-BE49-F238E27FC236}">
-                <a16:creationId xmlns:a16="http://schemas.microsoft.com/office/drawing/2014/main" xmlns="" id="{6FBE7C5B-61CD-45A2-9250-AEC6A8E47955}"/>
+                <a16:creationId xmlns:a16="http://schemas.microsoft.com/office/drawing/2014/main" id="{6FBE7C5B-61CD-45A2-9250-AEC6A8E47955}"/>
               </a:ext>
             </a:extLst>
           </p:cNvPr>
@@ -9958,7 +9966,7 @@
           <p:cNvPr id="2" name="Title 1">
             <a:extLst>
               <a:ext uri="{FF2B5EF4-FFF2-40B4-BE49-F238E27FC236}">
-                <a16:creationId xmlns:a16="http://schemas.microsoft.com/office/drawing/2014/main" xmlns="" id="{84CE216F-F64E-428C-80C1-216F865699B0}"/>
+                <a16:creationId xmlns:a16="http://schemas.microsoft.com/office/drawing/2014/main" id="{84CE216F-F64E-428C-80C1-216F865699B0}"/>
               </a:ext>
             </a:extLst>
           </p:cNvPr>
@@ -9994,7 +10002,7 @@
           <p:cNvPr id="5" name="Content Placeholder 4">
             <a:extLst>
               <a:ext uri="{FF2B5EF4-FFF2-40B4-BE49-F238E27FC236}">
-                <a16:creationId xmlns:a16="http://schemas.microsoft.com/office/drawing/2014/main" xmlns="" id="{A6D4942F-E215-4FAE-85EC-6B711B8CE3E2}"/>
+                <a16:creationId xmlns:a16="http://schemas.microsoft.com/office/drawing/2014/main" id="{A6D4942F-E215-4FAE-85EC-6B711B8CE3E2}"/>
               </a:ext>
             </a:extLst>
           </p:cNvPr>
@@ -10023,7 +10031,7 @@
           <p:cNvPr id="6" name="Title 1">
             <a:extLst>
               <a:ext uri="{FF2B5EF4-FFF2-40B4-BE49-F238E27FC236}">
-                <a16:creationId xmlns:a16="http://schemas.microsoft.com/office/drawing/2014/main" xmlns="" id="{164C65C7-2E58-4020-8ACE-95955E42DB49}"/>
+                <a16:creationId xmlns:a16="http://schemas.microsoft.com/office/drawing/2014/main" id="{164C65C7-2E58-4020-8ACE-95955E42DB49}"/>
               </a:ext>
             </a:extLst>
           </p:cNvPr>
@@ -10077,7 +10085,7 @@
           <p:cNvPr id="8" name="Picture 7">
             <a:extLst>
               <a:ext uri="{FF2B5EF4-FFF2-40B4-BE49-F238E27FC236}">
-                <a16:creationId xmlns:a16="http://schemas.microsoft.com/office/drawing/2014/main" xmlns="" id="{6DF65E46-8D36-427B-9930-ECCFA736EB26}"/>
+                <a16:creationId xmlns:a16="http://schemas.microsoft.com/office/drawing/2014/main" id="{6DF65E46-8D36-427B-9930-ECCFA736EB26}"/>
               </a:ext>
             </a:extLst>
           </p:cNvPr>
@@ -10137,7 +10145,7 @@
           <p:cNvPr id="6" name="Title 1">
             <a:extLst>
               <a:ext uri="{FF2B5EF4-FFF2-40B4-BE49-F238E27FC236}">
-                <a16:creationId xmlns:a16="http://schemas.microsoft.com/office/drawing/2014/main" xmlns="" id="{164C65C7-2E58-4020-8ACE-95955E42DB49}"/>
+                <a16:creationId xmlns:a16="http://schemas.microsoft.com/office/drawing/2014/main" id="{164C65C7-2E58-4020-8ACE-95955E42DB49}"/>
               </a:ext>
             </a:extLst>
           </p:cNvPr>
@@ -10191,7 +10199,7 @@
           <p:cNvPr id="8" name="Picture 7">
             <a:extLst>
               <a:ext uri="{FF2B5EF4-FFF2-40B4-BE49-F238E27FC236}">
-                <a16:creationId xmlns:a16="http://schemas.microsoft.com/office/drawing/2014/main" xmlns="" id="{6DF65E46-8D36-427B-9930-ECCFA736EB26}"/>
+                <a16:creationId xmlns:a16="http://schemas.microsoft.com/office/drawing/2014/main" id="{6DF65E46-8D36-427B-9930-ECCFA736EB26}"/>
               </a:ext>
             </a:extLst>
           </p:cNvPr>
@@ -10221,7 +10229,7 @@
           <p:cNvPr id="10" name="TextBox 9">
             <a:extLst>
               <a:ext uri="{FF2B5EF4-FFF2-40B4-BE49-F238E27FC236}">
-                <a16:creationId xmlns:a16="http://schemas.microsoft.com/office/drawing/2014/main" xmlns="" id="{C9CC2F0A-760E-420E-8B3D-A2488C6CF022}"/>
+                <a16:creationId xmlns:a16="http://schemas.microsoft.com/office/drawing/2014/main" id="{C9CC2F0A-760E-420E-8B3D-A2488C6CF022}"/>
               </a:ext>
             </a:extLst>
           </p:cNvPr>
@@ -10331,7 +10339,7 @@
           <p:cNvPr id="6" name="Title 1">
             <a:extLst>
               <a:ext uri="{FF2B5EF4-FFF2-40B4-BE49-F238E27FC236}">
-                <a16:creationId xmlns:a16="http://schemas.microsoft.com/office/drawing/2014/main" xmlns="" id="{164C65C7-2E58-4020-8ACE-95955E42DB49}"/>
+                <a16:creationId xmlns:a16="http://schemas.microsoft.com/office/drawing/2014/main" id="{164C65C7-2E58-4020-8ACE-95955E42DB49}"/>
               </a:ext>
             </a:extLst>
           </p:cNvPr>
@@ -10385,7 +10393,7 @@
           <p:cNvPr id="10" name="TextBox 9">
             <a:extLst>
               <a:ext uri="{FF2B5EF4-FFF2-40B4-BE49-F238E27FC236}">
-                <a16:creationId xmlns:a16="http://schemas.microsoft.com/office/drawing/2014/main" xmlns="" id="{C9CC2F0A-760E-420E-8B3D-A2488C6CF022}"/>
+                <a16:creationId xmlns:a16="http://schemas.microsoft.com/office/drawing/2014/main" id="{C9CC2F0A-760E-420E-8B3D-A2488C6CF022}"/>
               </a:ext>
             </a:extLst>
           </p:cNvPr>
@@ -10465,7 +10473,7 @@
           <p:cNvPr id="3" name="Picture 2">
             <a:extLst>
               <a:ext uri="{FF2B5EF4-FFF2-40B4-BE49-F238E27FC236}">
-                <a16:creationId xmlns:a16="http://schemas.microsoft.com/office/drawing/2014/main" xmlns="" id="{109C0AD1-2D44-4DE2-9497-0EE0A673EC04}"/>
+                <a16:creationId xmlns:a16="http://schemas.microsoft.com/office/drawing/2014/main" id="{109C0AD1-2D44-4DE2-9497-0EE0A673EC04}"/>
               </a:ext>
             </a:extLst>
           </p:cNvPr>
@@ -10698,7 +10706,7 @@
   <a:extraClrSchemeLst/>
   <a:extLst>
     <a:ext uri="{05A4C25C-085E-4340-85A3-A5531E510DB2}">
-      <thm15:themeFamily xmlns:thm15="http://schemas.microsoft.com/office/thememl/2012/main" xmlns="" name="Office Theme" id="{62F939B6-93AF-4DB8-9C6B-D6C7DFDC589F}" vid="{4A3C46E8-61CC-4603-A589-7422A47A8E4A}"/>
+      <thm15:themeFamily xmlns:thm15="http://schemas.microsoft.com/office/thememl/2012/main" name="Office Theme" id="{62F939B6-93AF-4DB8-9C6B-D6C7DFDC589F}" vid="{4A3C46E8-61CC-4603-A589-7422A47A8E4A}"/>
     </a:ext>
   </a:extLst>
 </a:theme>
@@ -10993,7 +11001,7 @@
   <a:extraClrSchemeLst/>
   <a:extLst>
     <a:ext uri="{05A4C25C-085E-4340-85A3-A5531E510DB2}">
-      <thm15:themeFamily xmlns:thm15="http://schemas.microsoft.com/office/thememl/2012/main" xmlns="" name="Office Theme" id="{62F939B6-93AF-4DB8-9C6B-D6C7DFDC589F}" vid="{4A3C46E8-61CC-4603-A589-7422A47A8E4A}"/>
+      <thm15:themeFamily xmlns:thm15="http://schemas.microsoft.com/office/thememl/2012/main" name="Office Theme" id="{62F939B6-93AF-4DB8-9C6B-D6C7DFDC589F}" vid="{4A3C46E8-61CC-4603-A589-7422A47A8E4A}"/>
     </a:ext>
   </a:extLst>
 </a:theme>
@@ -11254,7 +11262,7 @@
   <a:extraClrSchemeLst/>
   <a:extLst>
     <a:ext uri="{05A4C25C-085E-4340-85A3-A5531E510DB2}">
-      <thm15:themeFamily xmlns:thm15="http://schemas.microsoft.com/office/thememl/2012/main" xmlns="" name="Office Theme" id="{62F939B6-93AF-4DB8-9C6B-D6C7DFDC589F}" vid="{4A3C46E8-61CC-4603-A589-7422A47A8E4A}"/>
+      <thm15:themeFamily xmlns:thm15="http://schemas.microsoft.com/office/thememl/2012/main" name="Office Theme" id="{62F939B6-93AF-4DB8-9C6B-D6C7DFDC589F}" vid="{4A3C46E8-61CC-4603-A589-7422A47A8E4A}"/>
     </a:ext>
   </a:extLst>
 </a:theme>
